--- a/yhpj_springboot_plus_aws_기획서_v1.04.pptx
+++ b/yhpj_springboot_plus_aws_기획서_v1.04.pptx
@@ -7144,7 +7144,7 @@
           </a:ln>
           <a:extLst>
             <a:ext uri="{C572A759-6A51-4108-AA02-DFA0A04FC94B}">
-              <ma14:wrappingTextBoxFlag xmlns:ma14="http://schemas.microsoft.com/office/mac/drawingml/2011/main" xmlns:a14="http://schemas.microsoft.com/office/drawing/2010/main" xmlns:m="http://schemas.openxmlformats.org/officeDocument/2006/math" xmlns="" val="1"/>
+              <ma14:wrappingTextBoxFlag xmlns="" xmlns:m="http://schemas.openxmlformats.org/officeDocument/2006/math" xmlns:a14="http://schemas.microsoft.com/office/drawing/2010/main" xmlns:ma14="http://schemas.microsoft.com/office/mac/drawingml/2011/main" val="1"/>
             </a:ext>
           </a:extLst>
         </p:spPr>
@@ -7191,7 +7191,7 @@
           </a:ln>
           <a:extLst>
             <a:ext uri="{C572A759-6A51-4108-AA02-DFA0A04FC94B}">
-              <ma14:wrappingTextBoxFlag xmlns:ma14="http://schemas.microsoft.com/office/mac/drawingml/2011/main" xmlns:a14="http://schemas.microsoft.com/office/drawing/2010/main" xmlns:m="http://schemas.openxmlformats.org/officeDocument/2006/math" xmlns="" val="1"/>
+              <ma14:wrappingTextBoxFlag xmlns="" xmlns:m="http://schemas.openxmlformats.org/officeDocument/2006/math" xmlns:a14="http://schemas.microsoft.com/office/drawing/2010/main" xmlns:ma14="http://schemas.microsoft.com/office/mac/drawingml/2011/main" val="1"/>
             </a:ext>
           </a:extLst>
         </p:spPr>
@@ -9855,7 +9855,7 @@
           </a:ln>
           <a:extLst>
             <a:ext uri="{C572A759-6A51-4108-AA02-DFA0A04FC94B}">
-              <ma14:wrappingTextBoxFlag xmlns:ma14="http://schemas.microsoft.com/office/mac/drawingml/2011/main" xmlns:a14="http://schemas.microsoft.com/office/drawing/2010/main" xmlns:m="http://schemas.openxmlformats.org/officeDocument/2006/math" xmlns="" val="1"/>
+              <ma14:wrappingTextBoxFlag xmlns="" xmlns:m="http://schemas.openxmlformats.org/officeDocument/2006/math" xmlns:a14="http://schemas.microsoft.com/office/drawing/2010/main" xmlns:ma14="http://schemas.microsoft.com/office/mac/drawingml/2011/main" val="1"/>
             </a:ext>
           </a:extLst>
         </p:spPr>
@@ -9894,7 +9894,7 @@
           </a:ln>
           <a:extLst>
             <a:ext uri="{C572A759-6A51-4108-AA02-DFA0A04FC94B}">
-              <ma14:wrappingTextBoxFlag xmlns:ma14="http://schemas.microsoft.com/office/mac/drawingml/2011/main" xmlns:a14="http://schemas.microsoft.com/office/drawing/2010/main" xmlns:m="http://schemas.openxmlformats.org/officeDocument/2006/math" xmlns="" val="1"/>
+              <ma14:wrappingTextBoxFlag xmlns="" xmlns:m="http://schemas.openxmlformats.org/officeDocument/2006/math" xmlns:a14="http://schemas.microsoft.com/office/drawing/2010/main" xmlns:ma14="http://schemas.microsoft.com/office/mac/drawingml/2011/main" val="1"/>
             </a:ext>
           </a:extLst>
         </p:spPr>
@@ -10845,7 +10845,7 @@
           </a:prstGeom>
           <a:extLst>
             <a:ext uri="{C572A759-6A51-4108-AA02-DFA0A04FC94B}">
-              <ma14:wrappingTextBoxFlag xmlns:ma14="http://schemas.microsoft.com/office/mac/drawingml/2011/main" xmlns:a14="http://schemas.microsoft.com/office/drawing/2010/main" xmlns:m="http://schemas.openxmlformats.org/officeDocument/2006/math" xmlns="" val="1"/>
+              <ma14:wrappingTextBoxFlag xmlns="" xmlns:m="http://schemas.openxmlformats.org/officeDocument/2006/math" xmlns:a14="http://schemas.microsoft.com/office/drawing/2010/main" xmlns:ma14="http://schemas.microsoft.com/office/mac/drawingml/2011/main" val="1"/>
             </a:ext>
           </a:extLst>
         </p:spPr>
@@ -10902,7 +10902,7 @@
           <a:effectLst/>
           <a:extLst>
             <a:ext uri="{C572A759-6A51-4108-AA02-DFA0A04FC94B}">
-              <ma14:wrappingTextBoxFlag xmlns:ma14="http://schemas.microsoft.com/office/mac/drawingml/2011/main" xmlns:a14="http://schemas.microsoft.com/office/drawing/2010/main" xmlns:m="http://schemas.openxmlformats.org/officeDocument/2006/math" xmlns="" val="1"/>
+              <ma14:wrappingTextBoxFlag xmlns="" xmlns:m="http://schemas.openxmlformats.org/officeDocument/2006/math" xmlns:a14="http://schemas.microsoft.com/office/drawing/2010/main" xmlns:ma14="http://schemas.microsoft.com/office/mac/drawingml/2011/main" val="1"/>
             </a:ext>
           </a:extLst>
         </p:spPr>
@@ -11193,7 +11193,7 @@
             </a:ln>
             <a:extLst>
               <a:ext uri="{C572A759-6A51-4108-AA02-DFA0A04FC94B}">
-                <ma14:wrappingTextBoxFlag xmlns:ma14="http://schemas.microsoft.com/office/mac/drawingml/2011/main" xmlns:a14="http://schemas.microsoft.com/office/drawing/2010/main" xmlns:m="http://schemas.openxmlformats.org/officeDocument/2006/math" xmlns="" val="1"/>
+                <ma14:wrappingTextBoxFlag xmlns="" xmlns:m="http://schemas.openxmlformats.org/officeDocument/2006/math" xmlns:a14="http://schemas.microsoft.com/office/drawing/2010/main" xmlns:ma14="http://schemas.microsoft.com/office/mac/drawingml/2011/main" val="1"/>
               </a:ext>
             </a:extLst>
           </p:spPr>
@@ -11303,7 +11303,7 @@
             </a:ln>
             <a:extLst>
               <a:ext uri="{C572A759-6A51-4108-AA02-DFA0A04FC94B}">
-                <ma14:wrappingTextBoxFlag xmlns:ma14="http://schemas.microsoft.com/office/mac/drawingml/2011/main" xmlns:a14="http://schemas.microsoft.com/office/drawing/2010/main" xmlns:m="http://schemas.openxmlformats.org/officeDocument/2006/math" xmlns="" val="1"/>
+                <ma14:wrappingTextBoxFlag xmlns="" xmlns:m="http://schemas.openxmlformats.org/officeDocument/2006/math" xmlns:a14="http://schemas.microsoft.com/office/drawing/2010/main" xmlns:ma14="http://schemas.microsoft.com/office/mac/drawingml/2011/main" val="1"/>
               </a:ext>
             </a:extLst>
           </p:spPr>
@@ -11415,7 +11415,7 @@
             </a:ln>
             <a:extLst>
               <a:ext uri="{C572A759-6A51-4108-AA02-DFA0A04FC94B}">
-                <ma14:wrappingTextBoxFlag xmlns:ma14="http://schemas.microsoft.com/office/mac/drawingml/2011/main" xmlns:a14="http://schemas.microsoft.com/office/drawing/2010/main" xmlns:m="http://schemas.openxmlformats.org/officeDocument/2006/math" xmlns="" val="1"/>
+                <ma14:wrappingTextBoxFlag xmlns="" xmlns:m="http://schemas.openxmlformats.org/officeDocument/2006/math" xmlns:a14="http://schemas.microsoft.com/office/drawing/2010/main" xmlns:ma14="http://schemas.microsoft.com/office/mac/drawingml/2011/main" val="1"/>
               </a:ext>
             </a:extLst>
           </p:spPr>
@@ -11465,7 +11465,7 @@
           </a:prstGeom>
           <a:extLst>
             <a:ext uri="{C572A759-6A51-4108-AA02-DFA0A04FC94B}">
-              <ma14:wrappingTextBoxFlag xmlns:ma14="http://schemas.microsoft.com/office/mac/drawingml/2011/main" xmlns:a14="http://schemas.microsoft.com/office/drawing/2010/main" xmlns:m="http://schemas.openxmlformats.org/officeDocument/2006/math" xmlns="" val="1"/>
+              <ma14:wrappingTextBoxFlag xmlns="" xmlns:m="http://schemas.openxmlformats.org/officeDocument/2006/math" xmlns:a14="http://schemas.microsoft.com/office/drawing/2010/main" xmlns:ma14="http://schemas.microsoft.com/office/mac/drawingml/2011/main" val="1"/>
             </a:ext>
           </a:extLst>
         </p:spPr>
@@ -11504,7 +11504,7 @@
           </a:ln>
           <a:extLst>
             <a:ext uri="{C572A759-6A51-4108-AA02-DFA0A04FC94B}">
-              <ma14:wrappingTextBoxFlag xmlns:ma14="http://schemas.microsoft.com/office/mac/drawingml/2011/main" xmlns:a14="http://schemas.microsoft.com/office/drawing/2010/main" xmlns:m="http://schemas.openxmlformats.org/officeDocument/2006/math" xmlns="" val="1"/>
+              <ma14:wrappingTextBoxFlag xmlns="" xmlns:m="http://schemas.openxmlformats.org/officeDocument/2006/math" xmlns:a14="http://schemas.microsoft.com/office/drawing/2010/main" xmlns:ma14="http://schemas.microsoft.com/office/mac/drawingml/2011/main" val="1"/>
             </a:ext>
           </a:extLst>
         </p:spPr>
@@ -11651,7 +11651,7 @@
             </a:ln>
             <a:extLst>
               <a:ext uri="{C572A759-6A51-4108-AA02-DFA0A04FC94B}">
-                <ma14:wrappingTextBoxFlag xmlns:ma14="http://schemas.microsoft.com/office/mac/drawingml/2011/main" xmlns:a14="http://schemas.microsoft.com/office/drawing/2010/main" xmlns:m="http://schemas.openxmlformats.org/officeDocument/2006/math" xmlns="" val="1"/>
+                <ma14:wrappingTextBoxFlag xmlns="" xmlns:m="http://schemas.openxmlformats.org/officeDocument/2006/math" xmlns:a14="http://schemas.microsoft.com/office/drawing/2010/main" xmlns:ma14="http://schemas.microsoft.com/office/mac/drawingml/2011/main" val="1"/>
               </a:ext>
             </a:extLst>
           </p:spPr>
@@ -11809,7 +11809,7 @@
             </a:ln>
             <a:extLst>
               <a:ext uri="{C572A759-6A51-4108-AA02-DFA0A04FC94B}">
-                <ma14:wrappingTextBoxFlag xmlns:ma14="http://schemas.microsoft.com/office/mac/drawingml/2011/main" xmlns:a14="http://schemas.microsoft.com/office/drawing/2010/main" xmlns:m="http://schemas.openxmlformats.org/officeDocument/2006/math" xmlns="" val="1"/>
+                <ma14:wrappingTextBoxFlag xmlns="" xmlns:m="http://schemas.openxmlformats.org/officeDocument/2006/math" xmlns:a14="http://schemas.microsoft.com/office/drawing/2010/main" xmlns:ma14="http://schemas.microsoft.com/office/mac/drawingml/2011/main" val="1"/>
               </a:ext>
             </a:extLst>
           </p:spPr>
@@ -11968,7 +11968,7 @@
             </a:ln>
             <a:extLst>
               <a:ext uri="{C572A759-6A51-4108-AA02-DFA0A04FC94B}">
-                <ma14:wrappingTextBoxFlag xmlns:ma14="http://schemas.microsoft.com/office/mac/drawingml/2011/main" xmlns:a14="http://schemas.microsoft.com/office/drawing/2010/main" xmlns:m="http://schemas.openxmlformats.org/officeDocument/2006/math" xmlns="" val="1"/>
+                <ma14:wrappingTextBoxFlag xmlns="" xmlns:m="http://schemas.openxmlformats.org/officeDocument/2006/math" xmlns:a14="http://schemas.microsoft.com/office/drawing/2010/main" xmlns:ma14="http://schemas.microsoft.com/office/mac/drawingml/2011/main" val="1"/>
               </a:ext>
             </a:extLst>
           </p:spPr>
@@ -12160,7 +12160,7 @@
             </a:ln>
             <a:extLst>
               <a:ext uri="{C572A759-6A51-4108-AA02-DFA0A04FC94B}">
-                <ma14:wrappingTextBoxFlag xmlns:ma14="http://schemas.microsoft.com/office/mac/drawingml/2011/main" xmlns:a14="http://schemas.microsoft.com/office/drawing/2010/main" xmlns:m="http://schemas.openxmlformats.org/officeDocument/2006/math" xmlns="" val="1"/>
+                <ma14:wrappingTextBoxFlag xmlns="" xmlns:m="http://schemas.openxmlformats.org/officeDocument/2006/math" xmlns:a14="http://schemas.microsoft.com/office/drawing/2010/main" xmlns:ma14="http://schemas.microsoft.com/office/mac/drawingml/2011/main" val="1"/>
               </a:ext>
             </a:extLst>
           </p:spPr>
@@ -12216,7 +12216,7 @@
           </a:ln>
           <a:extLst>
             <a:ext uri="{C572A759-6A51-4108-AA02-DFA0A04FC94B}">
-              <ma14:wrappingTextBoxFlag xmlns:ma14="http://schemas.microsoft.com/office/mac/drawingml/2011/main" xmlns:a14="http://schemas.microsoft.com/office/drawing/2010/main" xmlns:m="http://schemas.openxmlformats.org/officeDocument/2006/math" xmlns="" val="1"/>
+              <ma14:wrappingTextBoxFlag xmlns="" xmlns:m="http://schemas.openxmlformats.org/officeDocument/2006/math" xmlns:a14="http://schemas.microsoft.com/office/drawing/2010/main" xmlns:ma14="http://schemas.microsoft.com/office/mac/drawingml/2011/main" val="1"/>
             </a:ext>
           </a:extLst>
         </p:spPr>
@@ -12372,7 +12372,7 @@
             </a:ln>
             <a:extLst>
               <a:ext uri="{C572A759-6A51-4108-AA02-DFA0A04FC94B}">
-                <ma14:wrappingTextBoxFlag xmlns:ma14="http://schemas.microsoft.com/office/mac/drawingml/2011/main" xmlns:a14="http://schemas.microsoft.com/office/drawing/2010/main" xmlns:m="http://schemas.openxmlformats.org/officeDocument/2006/math" xmlns="" val="1"/>
+                <ma14:wrappingTextBoxFlag xmlns="" xmlns:m="http://schemas.openxmlformats.org/officeDocument/2006/math" xmlns:a14="http://schemas.microsoft.com/office/drawing/2010/main" xmlns:ma14="http://schemas.microsoft.com/office/mac/drawingml/2011/main" val="1"/>
               </a:ext>
             </a:extLst>
           </p:spPr>
@@ -12529,7 +12529,7 @@
             </a:ln>
             <a:extLst>
               <a:ext uri="{C572A759-6A51-4108-AA02-DFA0A04FC94B}">
-                <ma14:wrappingTextBoxFlag xmlns:ma14="http://schemas.microsoft.com/office/mac/drawingml/2011/main" xmlns:a14="http://schemas.microsoft.com/office/drawing/2010/main" xmlns:m="http://schemas.openxmlformats.org/officeDocument/2006/math" xmlns="" val="1"/>
+                <ma14:wrappingTextBoxFlag xmlns="" xmlns:m="http://schemas.openxmlformats.org/officeDocument/2006/math" xmlns:a14="http://schemas.microsoft.com/office/drawing/2010/main" xmlns:ma14="http://schemas.microsoft.com/office/mac/drawingml/2011/main" val="1"/>
               </a:ext>
             </a:extLst>
           </p:spPr>
@@ -12651,7 +12651,7 @@
             </a:ln>
             <a:extLst>
               <a:ext uri="{C572A759-6A51-4108-AA02-DFA0A04FC94B}">
-                <ma14:wrappingTextBoxFlag xmlns:ma14="http://schemas.microsoft.com/office/mac/drawingml/2011/main" xmlns:a14="http://schemas.microsoft.com/office/drawing/2010/main" xmlns:m="http://schemas.openxmlformats.org/officeDocument/2006/math" xmlns="" val="1"/>
+                <ma14:wrappingTextBoxFlag xmlns="" xmlns:m="http://schemas.openxmlformats.org/officeDocument/2006/math" xmlns:a14="http://schemas.microsoft.com/office/drawing/2010/main" xmlns:ma14="http://schemas.microsoft.com/office/mac/drawingml/2011/main" val="1"/>
               </a:ext>
             </a:extLst>
           </p:spPr>
@@ -12843,7 +12843,7 @@
             </a:ln>
             <a:extLst>
               <a:ext uri="{C572A759-6A51-4108-AA02-DFA0A04FC94B}">
-                <ma14:wrappingTextBoxFlag xmlns:ma14="http://schemas.microsoft.com/office/mac/drawingml/2011/main" xmlns:a14="http://schemas.microsoft.com/office/drawing/2010/main" xmlns:m="http://schemas.openxmlformats.org/officeDocument/2006/math" xmlns="" val="1"/>
+                <ma14:wrappingTextBoxFlag xmlns="" xmlns:m="http://schemas.openxmlformats.org/officeDocument/2006/math" xmlns:a14="http://schemas.microsoft.com/office/drawing/2010/main" xmlns:ma14="http://schemas.microsoft.com/office/mac/drawingml/2011/main" val="1"/>
               </a:ext>
             </a:extLst>
           </p:spPr>
@@ -13000,7 +13000,7 @@
             </a:ln>
             <a:extLst>
               <a:ext uri="{C572A759-6A51-4108-AA02-DFA0A04FC94B}">
-                <ma14:wrappingTextBoxFlag xmlns:ma14="http://schemas.microsoft.com/office/mac/drawingml/2011/main" xmlns:a14="http://schemas.microsoft.com/office/drawing/2010/main" xmlns:m="http://schemas.openxmlformats.org/officeDocument/2006/math" xmlns="" val="1"/>
+                <ma14:wrappingTextBoxFlag xmlns="" xmlns:m="http://schemas.openxmlformats.org/officeDocument/2006/math" xmlns:a14="http://schemas.microsoft.com/office/drawing/2010/main" xmlns:ma14="http://schemas.microsoft.com/office/mac/drawingml/2011/main" val="1"/>
               </a:ext>
             </a:extLst>
           </p:spPr>
@@ -13110,7 +13110,7 @@
           </a:ln>
           <a:extLst>
             <a:ext uri="{C572A759-6A51-4108-AA02-DFA0A04FC94B}">
-              <ma14:wrappingTextBoxFlag xmlns:ma14="http://schemas.microsoft.com/office/mac/drawingml/2011/main" xmlns:a14="http://schemas.microsoft.com/office/drawing/2010/main" xmlns:m="http://schemas.openxmlformats.org/officeDocument/2006/math" xmlns="" val="1"/>
+              <ma14:wrappingTextBoxFlag xmlns="" xmlns:m="http://schemas.openxmlformats.org/officeDocument/2006/math" xmlns:a14="http://schemas.microsoft.com/office/drawing/2010/main" xmlns:ma14="http://schemas.microsoft.com/office/mac/drawingml/2011/main" val="1"/>
             </a:ext>
           </a:extLst>
         </p:spPr>
@@ -13155,7 +13155,7 @@
           </a:prstGeom>
           <a:extLst>
             <a:ext uri="{C572A759-6A51-4108-AA02-DFA0A04FC94B}">
-              <ma14:wrappingTextBoxFlag xmlns:ma14="http://schemas.microsoft.com/office/mac/drawingml/2011/main" xmlns:a14="http://schemas.microsoft.com/office/drawing/2010/main" xmlns:m="http://schemas.openxmlformats.org/officeDocument/2006/math" xmlns="" val="1"/>
+              <ma14:wrappingTextBoxFlag xmlns="" xmlns:m="http://schemas.openxmlformats.org/officeDocument/2006/math" xmlns:a14="http://schemas.microsoft.com/office/drawing/2010/main" xmlns:ma14="http://schemas.microsoft.com/office/mac/drawingml/2011/main" val="1"/>
             </a:ext>
           </a:extLst>
         </p:spPr>
@@ -13210,7 +13210,7 @@
           </a:effectLst>
           <a:extLst>
             <a:ext uri="{C572A759-6A51-4108-AA02-DFA0A04FC94B}">
-              <ma14:wrappingTextBoxFlag xmlns:ma14="http://schemas.microsoft.com/office/mac/drawingml/2011/main" xmlns:a14="http://schemas.microsoft.com/office/drawing/2010/main" xmlns:m="http://schemas.openxmlformats.org/officeDocument/2006/math" xmlns="" val="1"/>
+              <ma14:wrappingTextBoxFlag xmlns="" xmlns:m="http://schemas.openxmlformats.org/officeDocument/2006/math" xmlns:a14="http://schemas.microsoft.com/office/drawing/2010/main" xmlns:ma14="http://schemas.microsoft.com/office/mac/drawingml/2011/main" val="1"/>
             </a:ext>
           </a:extLst>
         </p:spPr>
@@ -13485,7 +13485,7 @@
           </a:effectLst>
           <a:extLst>
             <a:ext uri="{C572A759-6A51-4108-AA02-DFA0A04FC94B}">
-              <ma14:wrappingTextBoxFlag xmlns:ma14="http://schemas.microsoft.com/office/mac/drawingml/2011/main" xmlns:a14="http://schemas.microsoft.com/office/drawing/2010/main" xmlns:m="http://schemas.openxmlformats.org/officeDocument/2006/math" xmlns="" val="1"/>
+              <ma14:wrappingTextBoxFlag xmlns="" xmlns:m="http://schemas.openxmlformats.org/officeDocument/2006/math" xmlns:a14="http://schemas.microsoft.com/office/drawing/2010/main" xmlns:ma14="http://schemas.microsoft.com/office/mac/drawingml/2011/main" val="1"/>
             </a:ext>
           </a:extLst>
         </p:spPr>
@@ -13841,7 +13841,7 @@
           </a:ln>
           <a:extLst>
             <a:ext uri="{C572A759-6A51-4108-AA02-DFA0A04FC94B}">
-              <ma14:wrappingTextBoxFlag xmlns:ma14="http://schemas.microsoft.com/office/mac/drawingml/2011/main" xmlns:a14="http://schemas.microsoft.com/office/drawing/2010/main" xmlns:m="http://schemas.openxmlformats.org/officeDocument/2006/math" xmlns="" val="1"/>
+              <ma14:wrappingTextBoxFlag xmlns="" xmlns:m="http://schemas.openxmlformats.org/officeDocument/2006/math" xmlns:a14="http://schemas.microsoft.com/office/drawing/2010/main" xmlns:ma14="http://schemas.microsoft.com/office/mac/drawingml/2011/main" val="1"/>
             </a:ext>
           </a:extLst>
         </p:spPr>
@@ -14217,7 +14217,7 @@
           </a:prstGeom>
           <a:extLst>
             <a:ext uri="{C572A759-6A51-4108-AA02-DFA0A04FC94B}">
-              <ma14:wrappingTextBoxFlag xmlns:ma14="http://schemas.microsoft.com/office/mac/drawingml/2011/main" xmlns:a14="http://schemas.microsoft.com/office/drawing/2010/main" xmlns:m="http://schemas.openxmlformats.org/officeDocument/2006/math" xmlns="" val="1"/>
+              <ma14:wrappingTextBoxFlag xmlns="" xmlns:m="http://schemas.openxmlformats.org/officeDocument/2006/math" xmlns:a14="http://schemas.microsoft.com/office/drawing/2010/main" xmlns:ma14="http://schemas.microsoft.com/office/mac/drawingml/2011/main" val="1"/>
             </a:ext>
           </a:extLst>
         </p:spPr>
@@ -14256,7 +14256,7 @@
           </a:ln>
           <a:extLst>
             <a:ext uri="{C572A759-6A51-4108-AA02-DFA0A04FC94B}">
-              <ma14:wrappingTextBoxFlag xmlns:ma14="http://schemas.microsoft.com/office/mac/drawingml/2011/main" xmlns:a14="http://schemas.microsoft.com/office/drawing/2010/main" xmlns:m="http://schemas.openxmlformats.org/officeDocument/2006/math" xmlns="" val="1"/>
+              <ma14:wrappingTextBoxFlag xmlns="" xmlns:m="http://schemas.openxmlformats.org/officeDocument/2006/math" xmlns:a14="http://schemas.microsoft.com/office/drawing/2010/main" xmlns:ma14="http://schemas.microsoft.com/office/mac/drawingml/2011/main" val="1"/>
             </a:ext>
           </a:extLst>
         </p:spPr>
@@ -14364,15 +14364,6 @@
               <a:srgbClr val="FFFFFF"/>
             </a:contourClr>
           </a:sp3d>
-          <a:extLst>
-            <a:ext uri="{909E8E84-426E-40DD-AFC4-6F175D3DCCD1}">
-              <a14:hiddenFill xmlns:a14="http://schemas.microsoft.com/office/drawing/2010/main">
-                <a:solidFill>
-                  <a:srgbClr val="FFFFFF"/>
-                </a:solidFill>
-              </a14:hiddenFill>
-            </a:ext>
-          </a:extLst>
         </p:spPr>
       </p:pic>
       <p:pic>
@@ -14440,15 +14431,6 @@
               <a:srgbClr val="FFFFFF"/>
             </a:contourClr>
           </a:sp3d>
-          <a:extLst>
-            <a:ext uri="{909E8E84-426E-40DD-AFC4-6F175D3DCCD1}">
-              <a14:hiddenFill xmlns:a14="http://schemas.microsoft.com/office/drawing/2010/main">
-                <a:solidFill>
-                  <a:srgbClr val="FFFFFF"/>
-                </a:solidFill>
-              </a14:hiddenFill>
-            </a:ext>
-          </a:extLst>
         </p:spPr>
       </p:pic>
     </p:spTree>
@@ -14488,6 +14470,664 @@
             <a:extLst>
               <a:ext uri="{FF2B5EF4-FFF2-40B4-BE49-F238E27FC236}">
                 <a16:creationId xmlns:a16="http://schemas.microsoft.com/office/drawing/2014/main" id="{0AA3510A-C5D6-2F09-FFAE-BE8F7405310C}"/>
+              </a:ext>
+            </a:extLst>
+          </p:cNvPr>
+          <p:cNvPicPr>
+            <a:picLocks noChangeAspect="1"/>
+          </p:cNvPicPr>
+          <p:nvPr/>
+        </p:nvPicPr>
+        <p:blipFill>
+          <a:blip r:embed="rId2"/>
+          <a:srcRect t="16835" b="77833"/>
+          <a:stretch>
+            <a:fillRect/>
+          </a:stretch>
+        </p:blipFill>
+        <p:spPr>
+          <a:xfrm>
+            <a:off x="-17065" y="-4931"/>
+            <a:ext cx="12209065" cy="6862931"/>
+          </a:xfrm>
+          <a:prstGeom prst="rect">
+            <a:avLst/>
+          </a:prstGeom>
+          <a:ln w="12700">
+            <a:miter lim="400000"/>
+          </a:ln>
+        </p:spPr>
+      </p:pic>
+      <p:sp>
+        <p:nvSpPr>
+          <p:cNvPr id="603" name="부제목 2"/>
+          <p:cNvSpPr txBox="1"/>
+          <p:nvPr/>
+        </p:nvSpPr>
+        <p:spPr>
+          <a:xfrm>
+            <a:off x="58091" y="932171"/>
+            <a:ext cx="12075818" cy="1249226"/>
+          </a:xfrm>
+          <a:prstGeom prst="rect">
+            <a:avLst/>
+          </a:prstGeom>
+          <a:ln w="12700">
+            <a:miter lim="400000"/>
+          </a:ln>
+          <a:extLst>
+            <a:ext uri="{C572A759-6A51-4108-AA02-DFA0A04FC94B}">
+              <ma14:wrappingTextBoxFlag xmlns="" xmlns:m="http://schemas.openxmlformats.org/officeDocument/2006/math" xmlns:a14="http://schemas.microsoft.com/office/drawing/2010/main" xmlns:ma14="http://schemas.microsoft.com/office/mac/drawingml/2011/main" val="1"/>
+            </a:ext>
+          </a:extLst>
+        </p:spPr>
+        <p:txBody>
+          <a:bodyPr lIns="45718" tIns="45718" rIns="45718" bIns="45718">
+            <a:normAutofit/>
+          </a:bodyPr>
+          <a:lstStyle/>
+          <a:p>
+            <a:pPr defTabSz="914400">
+              <a:lnSpc>
+                <a:spcPct val="90000"/>
+              </a:lnSpc>
+              <a:spcBef>
+                <a:spcPts val="400"/>
+              </a:spcBef>
+              <a:buSzPct val="100000"/>
+              <a:defRPr sz="1200" b="1">
+                <a:solidFill>
+                  <a:srgbClr val="404040"/>
+                </a:solidFill>
+                <a:latin typeface="Noto Sans KR"/>
+                <a:ea typeface="Noto Sans KR"/>
+                <a:cs typeface="Noto Sans KR"/>
+                <a:sym typeface="Noto Sans KR"/>
+              </a:defRPr>
+            </a:pPr>
+            <a:endParaRPr dirty="0"/>
+          </a:p>
+        </p:txBody>
+      </p:sp>
+      <p:sp>
+        <p:nvSpPr>
+          <p:cNvPr id="625" name="직사각형"/>
+          <p:cNvSpPr/>
+          <p:nvPr/>
+        </p:nvSpPr>
+        <p:spPr>
+          <a:xfrm>
+            <a:off x="3330912" y="4179874"/>
+            <a:ext cx="5365474" cy="2438478"/>
+          </a:xfrm>
+          <a:prstGeom prst="rect">
+            <a:avLst/>
+          </a:prstGeom>
+          <a:solidFill>
+            <a:srgbClr val="E0F7FA"/>
+          </a:solidFill>
+          <a:ln w="19050">
+            <a:solidFill>
+              <a:srgbClr val="535353"/>
+            </a:solidFill>
+          </a:ln>
+          <a:effectLst>
+            <a:outerShdw blurRad="50800" dist="38100" dir="2700000" algn="tl" rotWithShape="0">
+              <a:prstClr val="black">
+                <a:alpha val="40000"/>
+              </a:prstClr>
+            </a:outerShdw>
+          </a:effectLst>
+        </p:spPr>
+        <p:txBody>
+          <a:bodyPr lIns="45718" tIns="45718" rIns="45718" bIns="45718"/>
+          <a:lstStyle/>
+          <a:p>
+            <a:pPr algn="l"/>
+            <a:endParaRPr lang="en-US" altLang="ko-KR" sz="1200" dirty="0">
+              <a:solidFill>
+                <a:schemeClr val="tx1"/>
+              </a:solidFill>
+              <a:latin typeface="+mn-ea"/>
+              <a:ea typeface="+mn-ea"/>
+            </a:endParaRPr>
+          </a:p>
+          <a:p>
+            <a:pPr algn="l"/>
+            <a:r>
+              <a:rPr lang="en-US" altLang="ko-KR" sz="1200" dirty="0">
+                <a:solidFill>
+                  <a:schemeClr val="tx1"/>
+                </a:solidFill>
+                <a:latin typeface="+mn-ea"/>
+                <a:ea typeface="+mn-ea"/>
+              </a:rPr>
+              <a:t>Controller</a:t>
+            </a:r>
+            <a:r>
+              <a:rPr lang="ko-KR" altLang="en-US" sz="1200" dirty="0">
+                <a:solidFill>
+                  <a:schemeClr val="tx1"/>
+                </a:solidFill>
+                <a:latin typeface="+mn-ea"/>
+                <a:ea typeface="+mn-ea"/>
+              </a:rPr>
+              <a:t>을 이용해 </a:t>
+            </a:r>
+            <a:r>
+              <a:rPr lang="en-US" altLang="ko-KR" sz="1200" dirty="0">
+                <a:solidFill>
+                  <a:schemeClr val="tx1"/>
+                </a:solidFill>
+                <a:latin typeface="+mn-ea"/>
+                <a:ea typeface="+mn-ea"/>
+              </a:rPr>
+              <a:t>Model</a:t>
+            </a:r>
+            <a:r>
+              <a:rPr lang="ko-KR" altLang="en-US" sz="1200" dirty="0">
+                <a:solidFill>
+                  <a:schemeClr val="tx1"/>
+                </a:solidFill>
+                <a:latin typeface="+mn-ea"/>
+                <a:ea typeface="+mn-ea"/>
+              </a:rPr>
+              <a:t>에 게시글을 </a:t>
+            </a:r>
+            <a:r>
+              <a:rPr lang="en-US" altLang="ko-KR" sz="1200" dirty="0">
+                <a:solidFill>
+                  <a:schemeClr val="tx1"/>
+                </a:solidFill>
+                <a:latin typeface="+mn-ea"/>
+                <a:ea typeface="+mn-ea"/>
+              </a:rPr>
+              <a:t>10</a:t>
+            </a:r>
+            <a:r>
+              <a:rPr lang="ko-KR" altLang="en-US" sz="1200" dirty="0">
+                <a:solidFill>
+                  <a:schemeClr val="tx1"/>
+                </a:solidFill>
+                <a:latin typeface="+mn-ea"/>
+                <a:ea typeface="+mn-ea"/>
+              </a:rPr>
+              <a:t>개씩 묶어 </a:t>
+            </a:r>
+            <a:r>
+              <a:rPr lang="ko-KR" altLang="en-US" sz="1200" dirty="0" err="1">
+                <a:solidFill>
+                  <a:schemeClr val="tx1"/>
+                </a:solidFill>
+                <a:latin typeface="+mn-ea"/>
+                <a:ea typeface="+mn-ea"/>
+              </a:rPr>
+              <a:t>페이징</a:t>
+            </a:r>
+            <a:r>
+              <a:rPr lang="ko-KR" altLang="en-US" sz="1200" dirty="0">
+                <a:solidFill>
+                  <a:schemeClr val="tx1"/>
+                </a:solidFill>
+                <a:latin typeface="+mn-ea"/>
+                <a:ea typeface="+mn-ea"/>
+              </a:rPr>
+              <a:t> 처리해 보여주며</a:t>
+            </a:r>
+            <a:endParaRPr lang="en-US" altLang="ko-KR" sz="1200" dirty="0">
+              <a:solidFill>
+                <a:schemeClr val="tx1"/>
+              </a:solidFill>
+              <a:latin typeface="+mn-ea"/>
+              <a:ea typeface="+mn-ea"/>
+            </a:endParaRPr>
+          </a:p>
+          <a:p>
+            <a:pPr algn="l"/>
+            <a:endParaRPr lang="en-US" altLang="ko-KR" sz="1200" dirty="0">
+              <a:solidFill>
+                <a:schemeClr val="tx1"/>
+              </a:solidFill>
+              <a:latin typeface="+mn-ea"/>
+              <a:ea typeface="+mn-ea"/>
+            </a:endParaRPr>
+          </a:p>
+          <a:p>
+            <a:pPr algn="l"/>
+            <a:r>
+              <a:rPr lang="ko-KR" altLang="en-US" sz="1200" dirty="0">
+                <a:solidFill>
+                  <a:schemeClr val="tx1"/>
+                </a:solidFill>
+                <a:latin typeface="+mn-ea"/>
+                <a:ea typeface="+mn-ea"/>
+              </a:rPr>
+              <a:t>게시글 작성 버튼은 회원 로그인 시에만 활성화됨</a:t>
+            </a:r>
+            <a:endParaRPr lang="en-US" altLang="ko-KR" sz="1200" dirty="0">
+              <a:solidFill>
+                <a:schemeClr val="tx1"/>
+              </a:solidFill>
+              <a:latin typeface="+mn-ea"/>
+              <a:ea typeface="+mn-ea"/>
+            </a:endParaRPr>
+          </a:p>
+          <a:p>
+            <a:pPr algn="l"/>
+            <a:endParaRPr lang="en-US" altLang="ko-KR" sz="1200" dirty="0">
+              <a:solidFill>
+                <a:schemeClr val="tx1"/>
+              </a:solidFill>
+              <a:latin typeface="+mn-ea"/>
+              <a:ea typeface="+mn-ea"/>
+            </a:endParaRPr>
+          </a:p>
+          <a:p>
+            <a:pPr algn="l"/>
+            <a:r>
+              <a:rPr lang="ko-KR" altLang="en-US" sz="1200" dirty="0">
+                <a:solidFill>
+                  <a:schemeClr val="tx1"/>
+                </a:solidFill>
+                <a:latin typeface="+mn-ea"/>
+                <a:ea typeface="+mn-ea"/>
+              </a:rPr>
+              <a:t>작성자는 게시글 작성시 사용된 </a:t>
+            </a:r>
+            <a:r>
+              <a:rPr lang="en-US" altLang="ko-KR" sz="1200" dirty="0">
+                <a:solidFill>
+                  <a:schemeClr val="tx1"/>
+                </a:solidFill>
+                <a:latin typeface="+mn-ea"/>
+                <a:ea typeface="+mn-ea"/>
+              </a:rPr>
+              <a:t>username</a:t>
+            </a:r>
+            <a:r>
+              <a:rPr lang="ko-KR" altLang="en-US" sz="1200" dirty="0">
+                <a:solidFill>
+                  <a:schemeClr val="tx1"/>
+                </a:solidFill>
+                <a:latin typeface="+mn-ea"/>
+                <a:ea typeface="+mn-ea"/>
+              </a:rPr>
+              <a:t>을 호출해 표기되며</a:t>
+            </a:r>
+            <a:endParaRPr lang="en-US" altLang="ko-KR" sz="1200" dirty="0">
+              <a:solidFill>
+                <a:schemeClr val="tx1"/>
+              </a:solidFill>
+              <a:latin typeface="+mn-ea"/>
+              <a:ea typeface="+mn-ea"/>
+            </a:endParaRPr>
+          </a:p>
+          <a:p>
+            <a:pPr algn="l"/>
+            <a:endParaRPr lang="en-US" altLang="ko-KR" sz="1200" dirty="0">
+              <a:solidFill>
+                <a:schemeClr val="tx1"/>
+              </a:solidFill>
+              <a:latin typeface="+mn-ea"/>
+              <a:ea typeface="+mn-ea"/>
+            </a:endParaRPr>
+          </a:p>
+          <a:p>
+            <a:pPr algn="l"/>
+            <a:r>
+              <a:rPr lang="ko-KR" altLang="en-US" sz="1200" dirty="0">
+                <a:solidFill>
+                  <a:schemeClr val="tx1"/>
+                </a:solidFill>
+                <a:latin typeface="+mn-ea"/>
+                <a:ea typeface="+mn-ea"/>
+              </a:rPr>
+              <a:t>최종 수정일은 </a:t>
+            </a:r>
+            <a:r>
+              <a:rPr lang="en-US" altLang="ko-KR" sz="1200" dirty="0" err="1">
+                <a:solidFill>
+                  <a:schemeClr val="tx1"/>
+                </a:solidFill>
+                <a:latin typeface="+mn-ea"/>
+                <a:ea typeface="+mn-ea"/>
+              </a:rPr>
+              <a:t>PostsService</a:t>
+            </a:r>
+            <a:r>
+              <a:rPr lang="ko-KR" altLang="en-US" sz="1200" dirty="0">
+                <a:solidFill>
+                  <a:schemeClr val="tx1"/>
+                </a:solidFill>
+                <a:latin typeface="+mn-ea"/>
+                <a:ea typeface="+mn-ea"/>
+              </a:rPr>
+              <a:t>클래스에서 </a:t>
+            </a:r>
+            <a:r>
+              <a:rPr lang="en-US" altLang="ko-KR" sz="1200" dirty="0" err="1">
+                <a:solidFill>
+                  <a:schemeClr val="tx1"/>
+                </a:solidFill>
+                <a:latin typeface="+mn-ea"/>
+                <a:ea typeface="+mn-ea"/>
+              </a:rPr>
+              <a:t>PostsDto</a:t>
+            </a:r>
+            <a:r>
+              <a:rPr lang="ko-KR" altLang="en-US" sz="1200" dirty="0">
+                <a:solidFill>
+                  <a:schemeClr val="tx1"/>
+                </a:solidFill>
+                <a:latin typeface="+mn-ea"/>
+                <a:ea typeface="+mn-ea"/>
+              </a:rPr>
+              <a:t>를 거쳐 </a:t>
+            </a:r>
+            <a:r>
+              <a:rPr lang="en-US" altLang="ko-KR" sz="1200" dirty="0" err="1">
+                <a:solidFill>
+                  <a:schemeClr val="tx1"/>
+                </a:solidFill>
+                <a:latin typeface="+mn-ea"/>
+                <a:ea typeface="+mn-ea"/>
+              </a:rPr>
+              <a:t>BaseTimeEntity</a:t>
+            </a:r>
+            <a:r>
+              <a:rPr lang="en-US" altLang="ko-KR" sz="1200" dirty="0">
+                <a:solidFill>
+                  <a:schemeClr val="tx1"/>
+                </a:solidFill>
+                <a:latin typeface="+mn-ea"/>
+                <a:ea typeface="+mn-ea"/>
+              </a:rPr>
+              <a:t> </a:t>
+            </a:r>
+            <a:r>
+              <a:rPr lang="ko-KR" altLang="en-US" sz="1200" dirty="0">
+                <a:solidFill>
+                  <a:schemeClr val="tx1"/>
+                </a:solidFill>
+                <a:latin typeface="+mn-ea"/>
+                <a:ea typeface="+mn-ea"/>
+              </a:rPr>
+              <a:t>클래스에 정해진 표기법으로 수정된 날짜를 표시함</a:t>
+            </a:r>
+            <a:endParaRPr lang="en-US" altLang="ko-KR" sz="1200" dirty="0">
+              <a:solidFill>
+                <a:schemeClr val="tx1"/>
+              </a:solidFill>
+              <a:latin typeface="+mn-ea"/>
+              <a:ea typeface="+mn-ea"/>
+            </a:endParaRPr>
+          </a:p>
+          <a:p>
+            <a:pPr algn="l"/>
+            <a:endParaRPr lang="en-US" altLang="ko-KR" sz="1200" dirty="0">
+              <a:solidFill>
+                <a:schemeClr val="tx1"/>
+              </a:solidFill>
+              <a:latin typeface="+mn-ea"/>
+              <a:ea typeface="+mn-ea"/>
+            </a:endParaRPr>
+          </a:p>
+          <a:p>
+            <a:pPr algn="l"/>
+            <a:r>
+              <a:rPr lang="ko-KR" altLang="en-US" sz="1200" dirty="0" err="1">
+                <a:solidFill>
+                  <a:schemeClr val="tx1"/>
+                </a:solidFill>
+                <a:latin typeface="+mn-ea"/>
+                <a:ea typeface="+mn-ea"/>
+              </a:rPr>
+              <a:t>게시글번호와</a:t>
+            </a:r>
+            <a:r>
+              <a:rPr lang="ko-KR" altLang="en-US" sz="1200" dirty="0">
+                <a:solidFill>
+                  <a:schemeClr val="tx1"/>
+                </a:solidFill>
+                <a:latin typeface="+mn-ea"/>
+                <a:ea typeface="+mn-ea"/>
+              </a:rPr>
+              <a:t> 제목을 누르면 게시글 읽기창으로 </a:t>
+            </a:r>
+            <a:r>
+              <a:rPr lang="ko-KR" altLang="en-US" sz="1200" dirty="0" err="1">
+                <a:solidFill>
+                  <a:schemeClr val="tx1"/>
+                </a:solidFill>
+                <a:latin typeface="+mn-ea"/>
+                <a:ea typeface="+mn-ea"/>
+              </a:rPr>
+              <a:t>넘어감</a:t>
+            </a:r>
+            <a:endParaRPr lang="ko-KR" altLang="en-US" sz="1200" dirty="0">
+              <a:solidFill>
+                <a:schemeClr val="tx1"/>
+              </a:solidFill>
+              <a:latin typeface="+mn-ea"/>
+              <a:ea typeface="+mn-ea"/>
+            </a:endParaRPr>
+          </a:p>
+        </p:txBody>
+      </p:sp>
+      <p:sp>
+        <p:nvSpPr>
+          <p:cNvPr id="627" name="슬라이드 번호 개체 틀 5"/>
+          <p:cNvSpPr txBox="1">
+            <a:spLocks noGrp="1"/>
+          </p:cNvSpPr>
+          <p:nvPr>
+            <p:ph type="sldNum" sz="quarter" idx="4294967295"/>
+          </p:nvPr>
+        </p:nvSpPr>
+        <p:spPr>
+          <a:xfrm>
+            <a:off x="11707575" y="6311014"/>
+            <a:ext cx="301904" cy="307337"/>
+          </a:xfrm>
+          <a:prstGeom prst="rect">
+            <a:avLst/>
+          </a:prstGeom>
+          <a:extLst>
+            <a:ext uri="{C572A759-6A51-4108-AA02-DFA0A04FC94B}">
+              <ma14:wrappingTextBoxFlag xmlns="" xmlns:m="http://schemas.openxmlformats.org/officeDocument/2006/math" xmlns:a14="http://schemas.microsoft.com/office/drawing/2010/main" xmlns:ma14="http://schemas.microsoft.com/office/mac/drawingml/2011/main" val="1"/>
+            </a:ext>
+          </a:extLst>
+        </p:spPr>
+        <p:txBody>
+          <a:bodyPr/>
+          <a:lstStyle>
+            <a:lvl1pPr>
+              <a:defRPr sz="1400" b="1"/>
+            </a:lvl1pPr>
+          </a:lstStyle>
+          <a:p>
+            <a:fld id="{86CB4B4D-7CA3-9044-876B-883B54F8677D}" type="slidenum">
+              <a:rPr/>
+              <a:t>13</a:t>
+            </a:fld>
+            <a:endParaRPr/>
+          </a:p>
+        </p:txBody>
+      </p:sp>
+      <p:sp>
+        <p:nvSpPr>
+          <p:cNvPr id="629" name="TextBox 2"/>
+          <p:cNvSpPr txBox="1"/>
+          <p:nvPr/>
+        </p:nvSpPr>
+        <p:spPr>
+          <a:xfrm>
+            <a:off x="321305" y="164257"/>
+            <a:ext cx="11384689" cy="646327"/>
+          </a:xfrm>
+          <a:prstGeom prst="rect">
+            <a:avLst/>
+          </a:prstGeom>
+          <a:ln w="12700">
+            <a:miter lim="400000"/>
+          </a:ln>
+          <a:extLst>
+            <a:ext uri="{C572A759-6A51-4108-AA02-DFA0A04FC94B}">
+              <ma14:wrappingTextBoxFlag xmlns="" xmlns:m="http://schemas.openxmlformats.org/officeDocument/2006/math" xmlns:a14="http://schemas.microsoft.com/office/drawing/2010/main" xmlns:ma14="http://schemas.microsoft.com/office/mac/drawingml/2011/main" val="1"/>
+            </a:ext>
+          </a:extLst>
+        </p:spPr>
+        <p:txBody>
+          <a:bodyPr lIns="45718" tIns="45718" rIns="45718" bIns="45718">
+            <a:spAutoFit/>
+          </a:bodyPr>
+          <a:lstStyle>
+            <a:lvl1pPr defTabSz="914400">
+              <a:defRPr sz="3600">
+                <a:latin typeface="NanumSquare_ac Bold"/>
+                <a:ea typeface="NanumSquare_ac Bold"/>
+                <a:cs typeface="NanumSquare_ac Bold"/>
+                <a:sym typeface="NanumSquare_ac Bold"/>
+              </a:defRPr>
+            </a:lvl1pPr>
+          </a:lstStyle>
+          <a:p>
+            <a:r>
+              <a:rPr dirty="0" err="1"/>
+              <a:t>기능</a:t>
+            </a:r>
+            <a:r>
+              <a:rPr dirty="0"/>
+              <a:t> </a:t>
+            </a:r>
+            <a:r>
+              <a:rPr dirty="0" err="1"/>
+              <a:t>구현</a:t>
+            </a:r>
+            <a:r>
+              <a:rPr dirty="0"/>
+              <a:t> - </a:t>
+            </a:r>
+            <a:r>
+              <a:rPr lang="en-US" dirty="0"/>
+              <a:t>2</a:t>
+            </a:r>
+            <a:r>
+              <a:rPr dirty="0"/>
+              <a:t>. </a:t>
+            </a:r>
+            <a:r>
+              <a:rPr lang="ko-KR" altLang="en-US" dirty="0"/>
+              <a:t>메인 페이지</a:t>
+            </a:r>
+            <a:endParaRPr dirty="0"/>
+          </a:p>
+        </p:txBody>
+      </p:sp>
+      <p:pic>
+        <p:nvPicPr>
+          <p:cNvPr id="4097" name="_x131193800">
+            <a:extLst>
+              <a:ext uri="{FF2B5EF4-FFF2-40B4-BE49-F238E27FC236}">
+                <a16:creationId xmlns:a16="http://schemas.microsoft.com/office/drawing/2014/main" id="{D2CD29B7-46AF-AEAD-23B9-06C80A660593}"/>
+              </a:ext>
+            </a:extLst>
+          </p:cNvPr>
+          <p:cNvPicPr>
+            <a:picLocks noChangeAspect="1" noChangeArrowheads="1"/>
+          </p:cNvPicPr>
+          <p:nvPr/>
+        </p:nvPicPr>
+        <p:blipFill>
+          <a:blip r:embed="rId3">
+            <a:extLst>
+              <a:ext uri="{28A0092B-C50C-407E-A947-70E740481C1C}">
+                <a14:useLocalDpi xmlns:a14="http://schemas.microsoft.com/office/drawing/2010/main" val="0"/>
+              </a:ext>
+            </a:extLst>
+          </a:blip>
+          <a:srcRect t="31673"/>
+          <a:stretch>
+            <a:fillRect/>
+          </a:stretch>
+        </p:blipFill>
+        <p:spPr bwMode="auto">
+          <a:xfrm>
+            <a:off x="1631959" y="1234296"/>
+            <a:ext cx="8763380" cy="2677614"/>
+          </a:xfrm>
+          <a:prstGeom prst="rect">
+            <a:avLst/>
+          </a:prstGeom>
+          <a:solidFill>
+            <a:srgbClr val="FFFFFF">
+              <a:shade val="85000"/>
+            </a:srgbClr>
+          </a:solidFill>
+          <a:ln w="88900" cap="sq">
+            <a:solidFill>
+              <a:srgbClr val="FFFFFF"/>
+            </a:solidFill>
+            <a:miter lim="800000"/>
+          </a:ln>
+          <a:effectLst>
+            <a:outerShdw blurRad="55000" dist="18000" dir="5400000" algn="tl" rotWithShape="0">
+              <a:srgbClr val="000000">
+                <a:alpha val="40000"/>
+              </a:srgbClr>
+            </a:outerShdw>
+          </a:effectLst>
+          <a:scene3d>
+            <a:camera prst="orthographicFront"/>
+            <a:lightRig rig="twoPt" dir="t">
+              <a:rot lat="0" lon="0" rev="7200000"/>
+            </a:lightRig>
+          </a:scene3d>
+          <a:sp3d>
+            <a:bevelT w="25400" h="19050"/>
+            <a:contourClr>
+              <a:srgbClr val="FFFFFF"/>
+            </a:contourClr>
+          </a:sp3d>
+        </p:spPr>
+      </p:pic>
+    </p:spTree>
+    <p:extLst>
+      <p:ext uri="{BB962C8B-B14F-4D97-AF65-F5344CB8AC3E}">
+        <p14:creationId xmlns:p14="http://schemas.microsoft.com/office/powerpoint/2010/main" val="2819792867"/>
+      </p:ext>
+    </p:extLst>
+  </p:cSld>
+  <p:clrMapOvr>
+    <a:masterClrMapping/>
+  </p:clrMapOvr>
+  <p:transition spd="med"/>
+</p:sld>
+</file>
+
+<file path=ppt/slides/slide14.xml><?xml version="1.0" encoding="utf-8"?>
+<p:sld xmlns:a="http://schemas.openxmlformats.org/drawingml/2006/main" xmlns:r="http://schemas.openxmlformats.org/officeDocument/2006/relationships" xmlns:p="http://schemas.openxmlformats.org/presentationml/2006/main">
+  <p:cSld>
+    <p:spTree>
+      <p:nvGrpSpPr>
+        <p:cNvPr id="1" name=""/>
+        <p:cNvGrpSpPr/>
+        <p:nvPr/>
+      </p:nvGrpSpPr>
+      <p:grpSpPr>
+        <a:xfrm>
+          <a:off x="0" y="0"/>
+          <a:ext cx="0" cy="0"/>
+          <a:chOff x="0" y="0"/>
+          <a:chExt cx="0" cy="0"/>
+        </a:xfrm>
+      </p:grpSpPr>
+      <p:pic>
+        <p:nvPicPr>
+          <p:cNvPr id="8" name="image28.png" descr="image28.png">
+            <a:extLst>
+              <a:ext uri="{FF2B5EF4-FFF2-40B4-BE49-F238E27FC236}">
+                <a16:creationId xmlns:a16="http://schemas.microsoft.com/office/drawing/2014/main" id="{312FDACD-03BE-0DC5-96C3-F5DE2F361859}"/>
               </a:ext>
             </a:extLst>
           </p:cNvPr>
@@ -14575,8 +15215,8 @@
         </p:nvSpPr>
         <p:spPr>
           <a:xfrm>
-            <a:off x="3330912" y="4179874"/>
-            <a:ext cx="5365474" cy="2438478"/>
+            <a:off x="6536787" y="2928561"/>
+            <a:ext cx="4641574" cy="1591137"/>
           </a:xfrm>
           <a:prstGeom prst="rect">
             <a:avLst/>
@@ -14601,7 +15241,7 @@
           <a:bodyPr lIns="45718" tIns="45718" rIns="45718" bIns="45718"/>
           <a:lstStyle/>
           <a:p>
-            <a:pPr algn="l"/>
+            <a:pPr algn="ctr"/>
             <a:endParaRPr lang="en-US" altLang="ko-KR" sz="1200" dirty="0">
               <a:solidFill>
                 <a:schemeClr val="tx1"/>
@@ -14611,16 +15251,16 @@
             </a:endParaRPr>
           </a:p>
           <a:p>
-            <a:pPr algn="l"/>
-            <a:r>
-              <a:rPr lang="en-US" altLang="ko-KR" sz="1200" dirty="0">
+            <a:pPr algn="ctr"/>
+            <a:r>
+              <a:rPr lang="en-US" altLang="ko-KR" sz="1200" dirty="0" err="1">
                 <a:solidFill>
                   <a:schemeClr val="tx1"/>
                 </a:solidFill>
                 <a:latin typeface="+mn-ea"/>
                 <a:ea typeface="+mn-ea"/>
               </a:rPr>
-              <a:t>Controller</a:t>
+              <a:t>UserDto</a:t>
             </a:r>
             <a:r>
               <a:rPr lang="ko-KR" altLang="en-US" sz="1200" dirty="0">
@@ -14630,67 +15270,7 @@
                 <a:latin typeface="+mn-ea"/>
                 <a:ea typeface="+mn-ea"/>
               </a:rPr>
-              <a:t>을 이용해 </a:t>
-            </a:r>
-            <a:r>
-              <a:rPr lang="en-US" altLang="ko-KR" sz="1200" dirty="0">
-                <a:solidFill>
-                  <a:schemeClr val="tx1"/>
-                </a:solidFill>
-                <a:latin typeface="+mn-ea"/>
-                <a:ea typeface="+mn-ea"/>
-              </a:rPr>
-              <a:t>Model</a:t>
-            </a:r>
-            <a:r>
-              <a:rPr lang="ko-KR" altLang="en-US" sz="1200" dirty="0">
-                <a:solidFill>
-                  <a:schemeClr val="tx1"/>
-                </a:solidFill>
-                <a:latin typeface="+mn-ea"/>
-                <a:ea typeface="+mn-ea"/>
-              </a:rPr>
-              <a:t>에 게시글을 </a:t>
-            </a:r>
-            <a:r>
-              <a:rPr lang="en-US" altLang="ko-KR" sz="1200" dirty="0">
-                <a:solidFill>
-                  <a:schemeClr val="tx1"/>
-                </a:solidFill>
-                <a:latin typeface="+mn-ea"/>
-                <a:ea typeface="+mn-ea"/>
-              </a:rPr>
-              <a:t>10</a:t>
-            </a:r>
-            <a:r>
-              <a:rPr lang="ko-KR" altLang="en-US" sz="1200" dirty="0">
-                <a:solidFill>
-                  <a:schemeClr val="tx1"/>
-                </a:solidFill>
-                <a:latin typeface="+mn-ea"/>
-                <a:ea typeface="+mn-ea"/>
-              </a:rPr>
-              <a:t>개씩 묶어 </a:t>
-            </a:r>
-            <a:r>
-              <a:rPr lang="ko-KR" altLang="en-US" sz="1200" dirty="0" err="1">
-                <a:solidFill>
-                  <a:schemeClr val="tx1"/>
-                </a:solidFill>
-                <a:latin typeface="+mn-ea"/>
-                <a:ea typeface="+mn-ea"/>
-              </a:rPr>
-              <a:t>페이징</a:t>
-            </a:r>
-            <a:r>
-              <a:rPr lang="ko-KR" altLang="en-US" sz="1200" dirty="0">
-                <a:solidFill>
-                  <a:schemeClr val="tx1"/>
-                </a:solidFill>
-                <a:latin typeface="+mn-ea"/>
-                <a:ea typeface="+mn-ea"/>
-              </a:rPr>
-              <a:t> 처리해 보여주며</a:t>
+              <a:t>클래스에 저장된 </a:t>
             </a:r>
             <a:endParaRPr lang="en-US" altLang="ko-KR" sz="1200" dirty="0">
               <a:solidFill>
@@ -14701,7 +15281,37 @@
             </a:endParaRPr>
           </a:p>
           <a:p>
-            <a:pPr algn="l"/>
+            <a:pPr algn="ctr"/>
+            <a:r>
+              <a:rPr lang="ko-KR" altLang="en-US" sz="1200" dirty="0">
+                <a:solidFill>
+                  <a:schemeClr val="tx1"/>
+                </a:solidFill>
+                <a:latin typeface="+mn-ea"/>
+                <a:ea typeface="+mn-ea"/>
+              </a:rPr>
+              <a:t>입력 허용범위를 제한하는 </a:t>
+            </a:r>
+            <a:r>
+              <a:rPr lang="ko-KR" altLang="en-US" sz="1200" dirty="0" err="1">
+                <a:solidFill>
+                  <a:schemeClr val="tx1"/>
+                </a:solidFill>
+                <a:latin typeface="+mn-ea"/>
+                <a:ea typeface="+mn-ea"/>
+              </a:rPr>
+              <a:t>정규식</a:t>
+            </a:r>
+            <a:r>
+              <a:rPr lang="ko-KR" altLang="en-US" sz="1200" dirty="0">
+                <a:solidFill>
+                  <a:schemeClr val="tx1"/>
+                </a:solidFill>
+                <a:latin typeface="+mn-ea"/>
+                <a:ea typeface="+mn-ea"/>
+              </a:rPr>
+              <a:t> 조건에 일치하는지 검사함</a:t>
+            </a:r>
             <a:endParaRPr lang="en-US" altLang="ko-KR" sz="1200" dirty="0">
               <a:solidFill>
                 <a:schemeClr val="tx1"/>
@@ -14711,17 +15321,7 @@
             </a:endParaRPr>
           </a:p>
           <a:p>
-            <a:pPr algn="l"/>
-            <a:r>
-              <a:rPr lang="ko-KR" altLang="en-US" sz="1200" dirty="0">
-                <a:solidFill>
-                  <a:schemeClr val="tx1"/>
-                </a:solidFill>
-                <a:latin typeface="+mn-ea"/>
-                <a:ea typeface="+mn-ea"/>
-              </a:rPr>
-              <a:t>게시글 작성 버튼은 회원 로그인 시에만 활성화됨</a:t>
-            </a:r>
+            <a:pPr algn="ctr"/>
             <a:endParaRPr lang="en-US" altLang="ko-KR" sz="1200" dirty="0">
               <a:solidFill>
                 <a:schemeClr val="tx1"/>
@@ -14731,7 +15331,7 @@
             </a:endParaRPr>
           </a:p>
           <a:p>
-            <a:pPr algn="l"/>
+            <a:pPr algn="ctr"/>
             <a:endParaRPr lang="en-US" altLang="ko-KR" sz="1200" dirty="0">
               <a:solidFill>
                 <a:schemeClr val="tx1"/>
@@ -14741,7 +15341,17 @@
             </a:endParaRPr>
           </a:p>
           <a:p>
-            <a:pPr algn="l"/>
+            <a:pPr algn="ctr"/>
+            <a:r>
+              <a:rPr lang="en-US" altLang="ko-KR" sz="1200" dirty="0" err="1">
+                <a:solidFill>
+                  <a:schemeClr val="tx1"/>
+                </a:solidFill>
+                <a:latin typeface="+mn-ea"/>
+                <a:ea typeface="+mn-ea"/>
+              </a:rPr>
+              <a:t>UserRepository</a:t>
+            </a:r>
             <a:r>
               <a:rPr lang="ko-KR" altLang="en-US" sz="1200" dirty="0">
                 <a:solidFill>
@@ -14750,27 +15360,7 @@
                 <a:latin typeface="+mn-ea"/>
                 <a:ea typeface="+mn-ea"/>
               </a:rPr>
-              <a:t>작성자는 게시글 작성시 사용된 </a:t>
-            </a:r>
-            <a:r>
-              <a:rPr lang="en-US" altLang="ko-KR" sz="1200" dirty="0">
-                <a:solidFill>
-                  <a:schemeClr val="tx1"/>
-                </a:solidFill>
-                <a:latin typeface="+mn-ea"/>
-                <a:ea typeface="+mn-ea"/>
-              </a:rPr>
-              <a:t>username</a:t>
-            </a:r>
-            <a:r>
-              <a:rPr lang="ko-KR" altLang="en-US" sz="1200" dirty="0">
-                <a:solidFill>
-                  <a:schemeClr val="tx1"/>
-                </a:solidFill>
-                <a:latin typeface="+mn-ea"/>
-                <a:ea typeface="+mn-ea"/>
-              </a:rPr>
-              <a:t>을 호출해 표기되며</a:t>
+              <a:t>클래스를 사용해 </a:t>
             </a:r>
             <a:endParaRPr lang="en-US" altLang="ko-KR" sz="1200" dirty="0">
               <a:solidFill>
@@ -14781,7 +15371,17 @@
             </a:endParaRPr>
           </a:p>
           <a:p>
-            <a:pPr algn="l"/>
+            <a:pPr algn="ctr"/>
+            <a:r>
+              <a:rPr lang="ko-KR" altLang="en-US" sz="1200" dirty="0">
+                <a:solidFill>
+                  <a:schemeClr val="tx1"/>
+                </a:solidFill>
+                <a:latin typeface="+mn-ea"/>
+                <a:ea typeface="+mn-ea"/>
+              </a:rPr>
+              <a:t>중복가입이 일어나지 않도록 조절함</a:t>
+            </a:r>
             <a:endParaRPr lang="en-US" altLang="ko-KR" sz="1200" dirty="0">
               <a:solidFill>
                 <a:schemeClr val="tx1"/>
@@ -14791,137 +15391,7 @@
             </a:endParaRPr>
           </a:p>
           <a:p>
-            <a:pPr algn="l"/>
-            <a:r>
-              <a:rPr lang="ko-KR" altLang="en-US" sz="1200" dirty="0">
-                <a:solidFill>
-                  <a:schemeClr val="tx1"/>
-                </a:solidFill>
-                <a:latin typeface="+mn-ea"/>
-                <a:ea typeface="+mn-ea"/>
-              </a:rPr>
-              <a:t>최종 수정일은 </a:t>
-            </a:r>
-            <a:r>
-              <a:rPr lang="en-US" altLang="ko-KR" sz="1200" dirty="0" err="1">
-                <a:solidFill>
-                  <a:schemeClr val="tx1"/>
-                </a:solidFill>
-                <a:latin typeface="+mn-ea"/>
-                <a:ea typeface="+mn-ea"/>
-              </a:rPr>
-              <a:t>PostsService</a:t>
-            </a:r>
-            <a:r>
-              <a:rPr lang="ko-KR" altLang="en-US" sz="1200" dirty="0">
-                <a:solidFill>
-                  <a:schemeClr val="tx1"/>
-                </a:solidFill>
-                <a:latin typeface="+mn-ea"/>
-                <a:ea typeface="+mn-ea"/>
-              </a:rPr>
-              <a:t>클래스에서 </a:t>
-            </a:r>
-            <a:r>
-              <a:rPr lang="en-US" altLang="ko-KR" sz="1200" dirty="0" err="1">
-                <a:solidFill>
-                  <a:schemeClr val="tx1"/>
-                </a:solidFill>
-                <a:latin typeface="+mn-ea"/>
-                <a:ea typeface="+mn-ea"/>
-              </a:rPr>
-              <a:t>PostsDto</a:t>
-            </a:r>
-            <a:r>
-              <a:rPr lang="ko-KR" altLang="en-US" sz="1200" dirty="0">
-                <a:solidFill>
-                  <a:schemeClr val="tx1"/>
-                </a:solidFill>
-                <a:latin typeface="+mn-ea"/>
-                <a:ea typeface="+mn-ea"/>
-              </a:rPr>
-              <a:t>를 거쳐 </a:t>
-            </a:r>
-            <a:r>
-              <a:rPr lang="en-US" altLang="ko-KR" sz="1200" dirty="0" err="1">
-                <a:solidFill>
-                  <a:schemeClr val="tx1"/>
-                </a:solidFill>
-                <a:latin typeface="+mn-ea"/>
-                <a:ea typeface="+mn-ea"/>
-              </a:rPr>
-              <a:t>BaseTimeEntity</a:t>
-            </a:r>
-            <a:r>
-              <a:rPr lang="en-US" altLang="ko-KR" sz="1200" dirty="0">
-                <a:solidFill>
-                  <a:schemeClr val="tx1"/>
-                </a:solidFill>
-                <a:latin typeface="+mn-ea"/>
-                <a:ea typeface="+mn-ea"/>
-              </a:rPr>
-              <a:t> </a:t>
-            </a:r>
-            <a:r>
-              <a:rPr lang="ko-KR" altLang="en-US" sz="1200" dirty="0">
-                <a:solidFill>
-                  <a:schemeClr val="tx1"/>
-                </a:solidFill>
-                <a:latin typeface="+mn-ea"/>
-                <a:ea typeface="+mn-ea"/>
-              </a:rPr>
-              <a:t>클래스에 정해진 표기법으로 수정된 날짜를 표시함</a:t>
-            </a:r>
-            <a:endParaRPr lang="en-US" altLang="ko-KR" sz="1200" dirty="0">
-              <a:solidFill>
-                <a:schemeClr val="tx1"/>
-              </a:solidFill>
-              <a:latin typeface="+mn-ea"/>
-              <a:ea typeface="+mn-ea"/>
-            </a:endParaRPr>
-          </a:p>
-          <a:p>
-            <a:pPr algn="l"/>
-            <a:endParaRPr lang="en-US" altLang="ko-KR" sz="1200" dirty="0">
-              <a:solidFill>
-                <a:schemeClr val="tx1"/>
-              </a:solidFill>
-              <a:latin typeface="+mn-ea"/>
-              <a:ea typeface="+mn-ea"/>
-            </a:endParaRPr>
-          </a:p>
-          <a:p>
-            <a:pPr algn="l"/>
-            <a:r>
-              <a:rPr lang="ko-KR" altLang="en-US" sz="1200" dirty="0" err="1">
-                <a:solidFill>
-                  <a:schemeClr val="tx1"/>
-                </a:solidFill>
-                <a:latin typeface="+mn-ea"/>
-                <a:ea typeface="+mn-ea"/>
-              </a:rPr>
-              <a:t>게시글번호와</a:t>
-            </a:r>
-            <a:r>
-              <a:rPr lang="ko-KR" altLang="en-US" sz="1200" dirty="0">
-                <a:solidFill>
-                  <a:schemeClr val="tx1"/>
-                </a:solidFill>
-                <a:latin typeface="+mn-ea"/>
-                <a:ea typeface="+mn-ea"/>
-              </a:rPr>
-              <a:t> 제목을 누르면 게시글 읽기창으로 </a:t>
-            </a:r>
-            <a:r>
-              <a:rPr lang="ko-KR" altLang="en-US" sz="1200" dirty="0" err="1">
-                <a:solidFill>
-                  <a:schemeClr val="tx1"/>
-                </a:solidFill>
-                <a:latin typeface="+mn-ea"/>
-                <a:ea typeface="+mn-ea"/>
-              </a:rPr>
-              <a:t>넘어감</a:t>
-            </a:r>
+            <a:pPr algn="ctr"/>
             <a:endParaRPr lang="ko-KR" altLang="en-US" sz="1200" dirty="0">
               <a:solidFill>
                 <a:schemeClr val="tx1"/>
@@ -14966,7 +15436,7 @@
           <a:p>
             <a:fld id="{86CB4B4D-7CA3-9044-876B-883B54F8677D}" type="slidenum">
               <a:rPr/>
-              <a:t>13</a:t>
+              <a:t>14</a:t>
             </a:fld>
             <a:endParaRPr/>
           </a:p>
@@ -15028,7 +15498,7 @@
             </a:r>
             <a:r>
               <a:rPr lang="en-US" dirty="0"/>
-              <a:t>2</a:t>
+              <a:t>3</a:t>
             </a:r>
             <a:r>
               <a:rPr dirty="0"/>
@@ -15036,7 +15506,7 @@
             </a:r>
             <a:r>
               <a:rPr lang="ko-KR" altLang="en-US" dirty="0"/>
-              <a:t>메인 페이지</a:t>
+              <a:t>회원가입</a:t>
             </a:r>
             <a:endParaRPr dirty="0"/>
           </a:p>
@@ -15044,10 +15514,10 @@
       </p:sp>
       <p:pic>
         <p:nvPicPr>
-          <p:cNvPr id="4097" name="_x131193800">
+          <p:cNvPr id="5121" name="_x438790232">
             <a:extLst>
               <a:ext uri="{FF2B5EF4-FFF2-40B4-BE49-F238E27FC236}">
-                <a16:creationId xmlns:a16="http://schemas.microsoft.com/office/drawing/2014/main" id="{D2CD29B7-46AF-AEAD-23B9-06C80A660593}"/>
+                <a16:creationId xmlns:a16="http://schemas.microsoft.com/office/drawing/2014/main" id="{3BFD016E-A2BE-CF7A-B074-4AF53E5A383F}"/>
               </a:ext>
             </a:extLst>
           </p:cNvPr>
@@ -15064,15 +15534,15 @@
               </a:ext>
             </a:extLst>
           </a:blip>
-          <a:srcRect t="31673"/>
+          <a:srcRect/>
           <a:stretch>
             <a:fillRect/>
           </a:stretch>
         </p:blipFill>
         <p:spPr bwMode="auto">
           <a:xfrm>
-            <a:off x="1631959" y="1234296"/>
-            <a:ext cx="8763380" cy="2677614"/>
+            <a:off x="2044035" y="1705544"/>
+            <a:ext cx="3332809" cy="4379390"/>
           </a:xfrm>
           <a:prstGeom prst="rect">
             <a:avLst/>
@@ -15107,21 +15577,12 @@
               <a:srgbClr val="FFFFFF"/>
             </a:contourClr>
           </a:sp3d>
-          <a:extLst>
-            <a:ext uri="{909E8E84-426E-40DD-AFC4-6F175D3DCCD1}">
-              <a14:hiddenFill xmlns:a14="http://schemas.microsoft.com/office/drawing/2010/main">
-                <a:solidFill>
-                  <a:srgbClr val="FFFFFF"/>
-                </a:solidFill>
-              </a14:hiddenFill>
-            </a:ext>
-          </a:extLst>
         </p:spPr>
       </p:pic>
     </p:spTree>
     <p:extLst>
       <p:ext uri="{BB962C8B-B14F-4D97-AF65-F5344CB8AC3E}">
-        <p14:creationId xmlns:p14="http://schemas.microsoft.com/office/powerpoint/2010/main" val="2819792867"/>
+        <p14:creationId xmlns:p14="http://schemas.microsoft.com/office/powerpoint/2010/main" val="1142320116"/>
       </p:ext>
     </p:extLst>
   </p:cSld>
@@ -15132,7 +15593,7 @@
 </p:sld>
 </file>
 
-<file path=ppt/slides/slide14.xml><?xml version="1.0" encoding="utf-8"?>
+<file path=ppt/slides/slide15.xml><?xml version="1.0" encoding="utf-8"?>
 <p:sld xmlns:a="http://schemas.openxmlformats.org/drawingml/2006/main" xmlns:r="http://schemas.openxmlformats.org/officeDocument/2006/relationships" xmlns:p="http://schemas.openxmlformats.org/presentationml/2006/main">
   <p:cSld>
     <p:spTree>
@@ -15154,7 +15615,7 @@
           <p:cNvPr id="8" name="image28.png" descr="image28.png">
             <a:extLst>
               <a:ext uri="{FF2B5EF4-FFF2-40B4-BE49-F238E27FC236}">
-                <a16:creationId xmlns:a16="http://schemas.microsoft.com/office/drawing/2014/main" id="{312FDACD-03BE-0DC5-96C3-F5DE2F361859}"/>
+                <a16:creationId xmlns:a16="http://schemas.microsoft.com/office/drawing/2014/main" id="{F79F6CFA-415D-AA44-9581-79FC659B67D9}"/>
               </a:ext>
             </a:extLst>
           </p:cNvPr>
@@ -15242,503 +15703,6 @@
         </p:nvSpPr>
         <p:spPr>
           <a:xfrm>
-            <a:off x="6536787" y="2928561"/>
-            <a:ext cx="4641574" cy="1591137"/>
-          </a:xfrm>
-          <a:prstGeom prst="rect">
-            <a:avLst/>
-          </a:prstGeom>
-          <a:solidFill>
-            <a:srgbClr val="E0F7FA"/>
-          </a:solidFill>
-          <a:ln w="19050">
-            <a:solidFill>
-              <a:srgbClr val="535353"/>
-            </a:solidFill>
-          </a:ln>
-          <a:effectLst>
-            <a:outerShdw blurRad="50800" dist="38100" dir="2700000" algn="tl" rotWithShape="0">
-              <a:prstClr val="black">
-                <a:alpha val="40000"/>
-              </a:prstClr>
-            </a:outerShdw>
-          </a:effectLst>
-        </p:spPr>
-        <p:txBody>
-          <a:bodyPr lIns="45718" tIns="45718" rIns="45718" bIns="45718"/>
-          <a:lstStyle/>
-          <a:p>
-            <a:pPr algn="ctr"/>
-            <a:endParaRPr lang="en-US" altLang="ko-KR" sz="1200" dirty="0">
-              <a:solidFill>
-                <a:schemeClr val="tx1"/>
-              </a:solidFill>
-              <a:latin typeface="+mn-ea"/>
-              <a:ea typeface="+mn-ea"/>
-            </a:endParaRPr>
-          </a:p>
-          <a:p>
-            <a:pPr algn="ctr"/>
-            <a:r>
-              <a:rPr lang="en-US" altLang="ko-KR" sz="1200" dirty="0" err="1">
-                <a:solidFill>
-                  <a:schemeClr val="tx1"/>
-                </a:solidFill>
-                <a:latin typeface="+mn-ea"/>
-                <a:ea typeface="+mn-ea"/>
-              </a:rPr>
-              <a:t>UserDto</a:t>
-            </a:r>
-            <a:r>
-              <a:rPr lang="ko-KR" altLang="en-US" sz="1200" dirty="0">
-                <a:solidFill>
-                  <a:schemeClr val="tx1"/>
-                </a:solidFill>
-                <a:latin typeface="+mn-ea"/>
-                <a:ea typeface="+mn-ea"/>
-              </a:rPr>
-              <a:t>클래스에 저장된 </a:t>
-            </a:r>
-            <a:endParaRPr lang="en-US" altLang="ko-KR" sz="1200" dirty="0">
-              <a:solidFill>
-                <a:schemeClr val="tx1"/>
-              </a:solidFill>
-              <a:latin typeface="+mn-ea"/>
-              <a:ea typeface="+mn-ea"/>
-            </a:endParaRPr>
-          </a:p>
-          <a:p>
-            <a:pPr algn="ctr"/>
-            <a:r>
-              <a:rPr lang="ko-KR" altLang="en-US" sz="1200" dirty="0">
-                <a:solidFill>
-                  <a:schemeClr val="tx1"/>
-                </a:solidFill>
-                <a:latin typeface="+mn-ea"/>
-                <a:ea typeface="+mn-ea"/>
-              </a:rPr>
-              <a:t>입력 허용범위를 제한하는 </a:t>
-            </a:r>
-            <a:r>
-              <a:rPr lang="ko-KR" altLang="en-US" sz="1200" dirty="0" err="1">
-                <a:solidFill>
-                  <a:schemeClr val="tx1"/>
-                </a:solidFill>
-                <a:latin typeface="+mn-ea"/>
-                <a:ea typeface="+mn-ea"/>
-              </a:rPr>
-              <a:t>정규식</a:t>
-            </a:r>
-            <a:r>
-              <a:rPr lang="ko-KR" altLang="en-US" sz="1200" dirty="0">
-                <a:solidFill>
-                  <a:schemeClr val="tx1"/>
-                </a:solidFill>
-                <a:latin typeface="+mn-ea"/>
-                <a:ea typeface="+mn-ea"/>
-              </a:rPr>
-              <a:t> 조건에 일치하는지 검사함</a:t>
-            </a:r>
-            <a:endParaRPr lang="en-US" altLang="ko-KR" sz="1200" dirty="0">
-              <a:solidFill>
-                <a:schemeClr val="tx1"/>
-              </a:solidFill>
-              <a:latin typeface="+mn-ea"/>
-              <a:ea typeface="+mn-ea"/>
-            </a:endParaRPr>
-          </a:p>
-          <a:p>
-            <a:pPr algn="ctr"/>
-            <a:endParaRPr lang="en-US" altLang="ko-KR" sz="1200" dirty="0">
-              <a:solidFill>
-                <a:schemeClr val="tx1"/>
-              </a:solidFill>
-              <a:latin typeface="+mn-ea"/>
-              <a:ea typeface="+mn-ea"/>
-            </a:endParaRPr>
-          </a:p>
-          <a:p>
-            <a:pPr algn="ctr"/>
-            <a:endParaRPr lang="en-US" altLang="ko-KR" sz="1200" dirty="0">
-              <a:solidFill>
-                <a:schemeClr val="tx1"/>
-              </a:solidFill>
-              <a:latin typeface="+mn-ea"/>
-              <a:ea typeface="+mn-ea"/>
-            </a:endParaRPr>
-          </a:p>
-          <a:p>
-            <a:pPr algn="ctr"/>
-            <a:r>
-              <a:rPr lang="en-US" altLang="ko-KR" sz="1200" dirty="0" err="1">
-                <a:solidFill>
-                  <a:schemeClr val="tx1"/>
-                </a:solidFill>
-                <a:latin typeface="+mn-ea"/>
-                <a:ea typeface="+mn-ea"/>
-              </a:rPr>
-              <a:t>UserRepository</a:t>
-            </a:r>
-            <a:r>
-              <a:rPr lang="ko-KR" altLang="en-US" sz="1200" dirty="0">
-                <a:solidFill>
-                  <a:schemeClr val="tx1"/>
-                </a:solidFill>
-                <a:latin typeface="+mn-ea"/>
-                <a:ea typeface="+mn-ea"/>
-              </a:rPr>
-              <a:t>클래스를 사용해 </a:t>
-            </a:r>
-            <a:endParaRPr lang="en-US" altLang="ko-KR" sz="1200" dirty="0">
-              <a:solidFill>
-                <a:schemeClr val="tx1"/>
-              </a:solidFill>
-              <a:latin typeface="+mn-ea"/>
-              <a:ea typeface="+mn-ea"/>
-            </a:endParaRPr>
-          </a:p>
-          <a:p>
-            <a:pPr algn="ctr"/>
-            <a:r>
-              <a:rPr lang="ko-KR" altLang="en-US" sz="1200" dirty="0">
-                <a:solidFill>
-                  <a:schemeClr val="tx1"/>
-                </a:solidFill>
-                <a:latin typeface="+mn-ea"/>
-                <a:ea typeface="+mn-ea"/>
-              </a:rPr>
-              <a:t>중복가입이 일어나지 않도록 조절함</a:t>
-            </a:r>
-            <a:endParaRPr lang="en-US" altLang="ko-KR" sz="1200" dirty="0">
-              <a:solidFill>
-                <a:schemeClr val="tx1"/>
-              </a:solidFill>
-              <a:latin typeface="+mn-ea"/>
-              <a:ea typeface="+mn-ea"/>
-            </a:endParaRPr>
-          </a:p>
-          <a:p>
-            <a:pPr algn="ctr"/>
-            <a:endParaRPr lang="ko-KR" altLang="en-US" sz="1200" dirty="0">
-              <a:solidFill>
-                <a:schemeClr val="tx1"/>
-              </a:solidFill>
-              <a:latin typeface="+mn-ea"/>
-              <a:ea typeface="+mn-ea"/>
-            </a:endParaRPr>
-          </a:p>
-        </p:txBody>
-      </p:sp>
-      <p:sp>
-        <p:nvSpPr>
-          <p:cNvPr id="627" name="슬라이드 번호 개체 틀 5"/>
-          <p:cNvSpPr txBox="1">
-            <a:spLocks noGrp="1"/>
-          </p:cNvSpPr>
-          <p:nvPr>
-            <p:ph type="sldNum" sz="quarter" idx="4294967295"/>
-          </p:nvPr>
-        </p:nvSpPr>
-        <p:spPr>
-          <a:xfrm>
-            <a:off x="11707575" y="6311014"/>
-            <a:ext cx="301904" cy="307337"/>
-          </a:xfrm>
-          <a:prstGeom prst="rect">
-            <a:avLst/>
-          </a:prstGeom>
-          <a:extLst>
-            <a:ext uri="{C572A759-6A51-4108-AA02-DFA0A04FC94B}">
-              <ma14:wrappingTextBoxFlag xmlns="" xmlns:m="http://schemas.openxmlformats.org/officeDocument/2006/math" xmlns:a14="http://schemas.microsoft.com/office/drawing/2010/main" xmlns:ma14="http://schemas.microsoft.com/office/mac/drawingml/2011/main" val="1"/>
-            </a:ext>
-          </a:extLst>
-        </p:spPr>
-        <p:txBody>
-          <a:bodyPr/>
-          <a:lstStyle>
-            <a:lvl1pPr>
-              <a:defRPr sz="1400" b="1"/>
-            </a:lvl1pPr>
-          </a:lstStyle>
-          <a:p>
-            <a:fld id="{86CB4B4D-7CA3-9044-876B-883B54F8677D}" type="slidenum">
-              <a:rPr/>
-              <a:t>14</a:t>
-            </a:fld>
-            <a:endParaRPr/>
-          </a:p>
-        </p:txBody>
-      </p:sp>
-      <p:sp>
-        <p:nvSpPr>
-          <p:cNvPr id="629" name="TextBox 2"/>
-          <p:cNvSpPr txBox="1"/>
-          <p:nvPr/>
-        </p:nvSpPr>
-        <p:spPr>
-          <a:xfrm>
-            <a:off x="321305" y="164257"/>
-            <a:ext cx="11384689" cy="646327"/>
-          </a:xfrm>
-          <a:prstGeom prst="rect">
-            <a:avLst/>
-          </a:prstGeom>
-          <a:ln w="12700">
-            <a:miter lim="400000"/>
-          </a:ln>
-          <a:extLst>
-            <a:ext uri="{C572A759-6A51-4108-AA02-DFA0A04FC94B}">
-              <ma14:wrappingTextBoxFlag xmlns="" xmlns:m="http://schemas.openxmlformats.org/officeDocument/2006/math" xmlns:a14="http://schemas.microsoft.com/office/drawing/2010/main" xmlns:ma14="http://schemas.microsoft.com/office/mac/drawingml/2011/main" val="1"/>
-            </a:ext>
-          </a:extLst>
-        </p:spPr>
-        <p:txBody>
-          <a:bodyPr lIns="45718" tIns="45718" rIns="45718" bIns="45718">
-            <a:spAutoFit/>
-          </a:bodyPr>
-          <a:lstStyle>
-            <a:lvl1pPr defTabSz="914400">
-              <a:defRPr sz="3600">
-                <a:latin typeface="NanumSquare_ac Bold"/>
-                <a:ea typeface="NanumSquare_ac Bold"/>
-                <a:cs typeface="NanumSquare_ac Bold"/>
-                <a:sym typeface="NanumSquare_ac Bold"/>
-              </a:defRPr>
-            </a:lvl1pPr>
-          </a:lstStyle>
-          <a:p>
-            <a:r>
-              <a:rPr dirty="0" err="1"/>
-              <a:t>기능</a:t>
-            </a:r>
-            <a:r>
-              <a:rPr dirty="0"/>
-              <a:t> </a:t>
-            </a:r>
-            <a:r>
-              <a:rPr dirty="0" err="1"/>
-              <a:t>구현</a:t>
-            </a:r>
-            <a:r>
-              <a:rPr dirty="0"/>
-              <a:t> - </a:t>
-            </a:r>
-            <a:r>
-              <a:rPr lang="en-US" dirty="0"/>
-              <a:t>3</a:t>
-            </a:r>
-            <a:r>
-              <a:rPr dirty="0"/>
-              <a:t>. </a:t>
-            </a:r>
-            <a:r>
-              <a:rPr lang="ko-KR" altLang="en-US" dirty="0"/>
-              <a:t>회원가입</a:t>
-            </a:r>
-            <a:endParaRPr dirty="0"/>
-          </a:p>
-        </p:txBody>
-      </p:sp>
-      <p:pic>
-        <p:nvPicPr>
-          <p:cNvPr id="5121" name="_x438790232">
-            <a:extLst>
-              <a:ext uri="{FF2B5EF4-FFF2-40B4-BE49-F238E27FC236}">
-                <a16:creationId xmlns:a16="http://schemas.microsoft.com/office/drawing/2014/main" id="{3BFD016E-A2BE-CF7A-B074-4AF53E5A383F}"/>
-              </a:ext>
-            </a:extLst>
-          </p:cNvPr>
-          <p:cNvPicPr>
-            <a:picLocks noChangeAspect="1" noChangeArrowheads="1"/>
-          </p:cNvPicPr>
-          <p:nvPr/>
-        </p:nvPicPr>
-        <p:blipFill>
-          <a:blip r:embed="rId3">
-            <a:extLst>
-              <a:ext uri="{28A0092B-C50C-407E-A947-70E740481C1C}">
-                <a14:useLocalDpi xmlns:a14="http://schemas.microsoft.com/office/drawing/2010/main" val="0"/>
-              </a:ext>
-            </a:extLst>
-          </a:blip>
-          <a:srcRect/>
-          <a:stretch>
-            <a:fillRect/>
-          </a:stretch>
-        </p:blipFill>
-        <p:spPr bwMode="auto">
-          <a:xfrm>
-            <a:off x="2044035" y="1705544"/>
-            <a:ext cx="3332809" cy="4379390"/>
-          </a:xfrm>
-          <a:prstGeom prst="rect">
-            <a:avLst/>
-          </a:prstGeom>
-          <a:solidFill>
-            <a:srgbClr val="FFFFFF">
-              <a:shade val="85000"/>
-            </a:srgbClr>
-          </a:solidFill>
-          <a:ln w="88900" cap="sq">
-            <a:solidFill>
-              <a:srgbClr val="FFFFFF"/>
-            </a:solidFill>
-            <a:miter lim="800000"/>
-          </a:ln>
-          <a:effectLst>
-            <a:outerShdw blurRad="55000" dist="18000" dir="5400000" algn="tl" rotWithShape="0">
-              <a:srgbClr val="000000">
-                <a:alpha val="40000"/>
-              </a:srgbClr>
-            </a:outerShdw>
-          </a:effectLst>
-          <a:scene3d>
-            <a:camera prst="orthographicFront"/>
-            <a:lightRig rig="twoPt" dir="t">
-              <a:rot lat="0" lon="0" rev="7200000"/>
-            </a:lightRig>
-          </a:scene3d>
-          <a:sp3d>
-            <a:bevelT w="25400" h="19050"/>
-            <a:contourClr>
-              <a:srgbClr val="FFFFFF"/>
-            </a:contourClr>
-          </a:sp3d>
-          <a:extLst>
-            <a:ext uri="{909E8E84-426E-40DD-AFC4-6F175D3DCCD1}">
-              <a14:hiddenFill xmlns:a14="http://schemas.microsoft.com/office/drawing/2010/main">
-                <a:solidFill>
-                  <a:srgbClr val="FFFFFF"/>
-                </a:solidFill>
-              </a14:hiddenFill>
-            </a:ext>
-          </a:extLst>
-        </p:spPr>
-      </p:pic>
-    </p:spTree>
-    <p:extLst>
-      <p:ext uri="{BB962C8B-B14F-4D97-AF65-F5344CB8AC3E}">
-        <p14:creationId xmlns:p14="http://schemas.microsoft.com/office/powerpoint/2010/main" val="1142320116"/>
-      </p:ext>
-    </p:extLst>
-  </p:cSld>
-  <p:clrMapOvr>
-    <a:masterClrMapping/>
-  </p:clrMapOvr>
-  <p:transition spd="med"/>
-</p:sld>
-</file>
-
-<file path=ppt/slides/slide15.xml><?xml version="1.0" encoding="utf-8"?>
-<p:sld xmlns:a="http://schemas.openxmlformats.org/drawingml/2006/main" xmlns:r="http://schemas.openxmlformats.org/officeDocument/2006/relationships" xmlns:p="http://schemas.openxmlformats.org/presentationml/2006/main">
-  <p:cSld>
-    <p:spTree>
-      <p:nvGrpSpPr>
-        <p:cNvPr id="1" name=""/>
-        <p:cNvGrpSpPr/>
-        <p:nvPr/>
-      </p:nvGrpSpPr>
-      <p:grpSpPr>
-        <a:xfrm>
-          <a:off x="0" y="0"/>
-          <a:ext cx="0" cy="0"/>
-          <a:chOff x="0" y="0"/>
-          <a:chExt cx="0" cy="0"/>
-        </a:xfrm>
-      </p:grpSpPr>
-      <p:pic>
-        <p:nvPicPr>
-          <p:cNvPr id="8" name="image28.png" descr="image28.png">
-            <a:extLst>
-              <a:ext uri="{FF2B5EF4-FFF2-40B4-BE49-F238E27FC236}">
-                <a16:creationId xmlns:a16="http://schemas.microsoft.com/office/drawing/2014/main" id="{F79F6CFA-415D-AA44-9581-79FC659B67D9}"/>
-              </a:ext>
-            </a:extLst>
-          </p:cNvPr>
-          <p:cNvPicPr>
-            <a:picLocks noChangeAspect="1"/>
-          </p:cNvPicPr>
-          <p:nvPr/>
-        </p:nvPicPr>
-        <p:blipFill>
-          <a:blip r:embed="rId2"/>
-          <a:srcRect t="16835" b="77833"/>
-          <a:stretch>
-            <a:fillRect/>
-          </a:stretch>
-        </p:blipFill>
-        <p:spPr>
-          <a:xfrm>
-            <a:off x="-17065" y="-4931"/>
-            <a:ext cx="12209065" cy="6862931"/>
-          </a:xfrm>
-          <a:prstGeom prst="rect">
-            <a:avLst/>
-          </a:prstGeom>
-          <a:ln w="12700">
-            <a:miter lim="400000"/>
-          </a:ln>
-        </p:spPr>
-      </p:pic>
-      <p:sp>
-        <p:nvSpPr>
-          <p:cNvPr id="603" name="부제목 2"/>
-          <p:cNvSpPr txBox="1"/>
-          <p:nvPr/>
-        </p:nvSpPr>
-        <p:spPr>
-          <a:xfrm>
-            <a:off x="58091" y="932171"/>
-            <a:ext cx="12075818" cy="1249226"/>
-          </a:xfrm>
-          <a:prstGeom prst="rect">
-            <a:avLst/>
-          </a:prstGeom>
-          <a:ln w="12700">
-            <a:miter lim="400000"/>
-          </a:ln>
-          <a:extLst>
-            <a:ext uri="{C572A759-6A51-4108-AA02-DFA0A04FC94B}">
-              <ma14:wrappingTextBoxFlag xmlns:ma14="http://schemas.microsoft.com/office/mac/drawingml/2011/main" xmlns:a14="http://schemas.microsoft.com/office/drawing/2010/main" xmlns:m="http://schemas.openxmlformats.org/officeDocument/2006/math" xmlns="" val="1"/>
-            </a:ext>
-          </a:extLst>
-        </p:spPr>
-        <p:txBody>
-          <a:bodyPr lIns="45718" tIns="45718" rIns="45718" bIns="45718">
-            <a:normAutofit/>
-          </a:bodyPr>
-          <a:lstStyle/>
-          <a:p>
-            <a:pPr defTabSz="914400">
-              <a:lnSpc>
-                <a:spcPct val="90000"/>
-              </a:lnSpc>
-              <a:spcBef>
-                <a:spcPts val="400"/>
-              </a:spcBef>
-              <a:buSzPct val="100000"/>
-              <a:defRPr sz="1200" b="1">
-                <a:solidFill>
-                  <a:srgbClr val="404040"/>
-                </a:solidFill>
-                <a:latin typeface="Noto Sans KR"/>
-                <a:ea typeface="Noto Sans KR"/>
-                <a:cs typeface="Noto Sans KR"/>
-                <a:sym typeface="Noto Sans KR"/>
-              </a:defRPr>
-            </a:pPr>
-            <a:endParaRPr dirty="0"/>
-          </a:p>
-        </p:txBody>
-      </p:sp>
-      <p:sp>
-        <p:nvSpPr>
-          <p:cNvPr id="625" name="직사각형"/>
-          <p:cNvSpPr/>
-          <p:nvPr/>
-        </p:nvSpPr>
-        <p:spPr>
-          <a:xfrm>
             <a:off x="6013649" y="1215675"/>
             <a:ext cx="5427225" cy="1607653"/>
           </a:xfrm>
@@ -15949,7 +15913,7 @@
           </a:prstGeom>
           <a:extLst>
             <a:ext uri="{C572A759-6A51-4108-AA02-DFA0A04FC94B}">
-              <ma14:wrappingTextBoxFlag xmlns:ma14="http://schemas.microsoft.com/office/mac/drawingml/2011/main" xmlns:a14="http://schemas.microsoft.com/office/drawing/2010/main" xmlns:m="http://schemas.openxmlformats.org/officeDocument/2006/math" xmlns="" val="1"/>
+              <ma14:wrappingTextBoxFlag xmlns="" xmlns:m="http://schemas.openxmlformats.org/officeDocument/2006/math" xmlns:a14="http://schemas.microsoft.com/office/drawing/2010/main" xmlns:ma14="http://schemas.microsoft.com/office/mac/drawingml/2011/main" val="1"/>
             </a:ext>
           </a:extLst>
         </p:spPr>
@@ -15988,7 +15952,7 @@
           </a:ln>
           <a:extLst>
             <a:ext uri="{C572A759-6A51-4108-AA02-DFA0A04FC94B}">
-              <ma14:wrappingTextBoxFlag xmlns:ma14="http://schemas.microsoft.com/office/mac/drawingml/2011/main" xmlns:a14="http://schemas.microsoft.com/office/drawing/2010/main" xmlns:m="http://schemas.openxmlformats.org/officeDocument/2006/math" xmlns="" val="1"/>
+              <ma14:wrappingTextBoxFlag xmlns="" xmlns:m="http://schemas.openxmlformats.org/officeDocument/2006/math" xmlns:a14="http://schemas.microsoft.com/office/drawing/2010/main" xmlns:ma14="http://schemas.microsoft.com/office/mac/drawingml/2011/main" val="1"/>
             </a:ext>
           </a:extLst>
         </p:spPr>
@@ -16112,15 +16076,6 @@
               <a:srgbClr val="FFFFFF"/>
             </a:contourClr>
           </a:sp3d>
-          <a:extLst>
-            <a:ext uri="{909E8E84-426E-40DD-AFC4-6F175D3DCCD1}">
-              <a14:hiddenFill xmlns:a14="http://schemas.microsoft.com/office/drawing/2010/main">
-                <a:solidFill>
-                  <a:srgbClr val="FFFFFF"/>
-                </a:solidFill>
-              </a14:hiddenFill>
-            </a:ext>
-          </a:extLst>
         </p:spPr>
       </p:pic>
       <p:sp>
@@ -16572,7 +16527,7 @@
           </a:ln>
           <a:extLst>
             <a:ext uri="{C572A759-6A51-4108-AA02-DFA0A04FC94B}">
-              <ma14:wrappingTextBoxFlag xmlns:ma14="http://schemas.microsoft.com/office/mac/drawingml/2011/main" xmlns:a14="http://schemas.microsoft.com/office/drawing/2010/main" xmlns:m="http://schemas.openxmlformats.org/officeDocument/2006/math" xmlns="" val="1"/>
+              <ma14:wrappingTextBoxFlag xmlns="" xmlns:m="http://schemas.openxmlformats.org/officeDocument/2006/math" xmlns:a14="http://schemas.microsoft.com/office/drawing/2010/main" xmlns:ma14="http://schemas.microsoft.com/office/mac/drawingml/2011/main" val="1"/>
             </a:ext>
           </a:extLst>
         </p:spPr>
@@ -16892,7 +16847,7 @@
           </a:prstGeom>
           <a:extLst>
             <a:ext uri="{C572A759-6A51-4108-AA02-DFA0A04FC94B}">
-              <ma14:wrappingTextBoxFlag xmlns:ma14="http://schemas.microsoft.com/office/mac/drawingml/2011/main" xmlns:a14="http://schemas.microsoft.com/office/drawing/2010/main" xmlns:m="http://schemas.openxmlformats.org/officeDocument/2006/math" xmlns="" val="1"/>
+              <ma14:wrappingTextBoxFlag xmlns="" xmlns:m="http://schemas.openxmlformats.org/officeDocument/2006/math" xmlns:a14="http://schemas.microsoft.com/office/drawing/2010/main" xmlns:ma14="http://schemas.microsoft.com/office/mac/drawingml/2011/main" val="1"/>
             </a:ext>
           </a:extLst>
         </p:spPr>
@@ -16931,7 +16886,7 @@
           </a:ln>
           <a:extLst>
             <a:ext uri="{C572A759-6A51-4108-AA02-DFA0A04FC94B}">
-              <ma14:wrappingTextBoxFlag xmlns:ma14="http://schemas.microsoft.com/office/mac/drawingml/2011/main" xmlns:a14="http://schemas.microsoft.com/office/drawing/2010/main" xmlns:m="http://schemas.openxmlformats.org/officeDocument/2006/math" xmlns="" val="1"/>
+              <ma14:wrappingTextBoxFlag xmlns="" xmlns:m="http://schemas.openxmlformats.org/officeDocument/2006/math" xmlns:a14="http://schemas.microsoft.com/office/drawing/2010/main" xmlns:ma14="http://schemas.microsoft.com/office/mac/drawingml/2011/main" val="1"/>
             </a:ext>
           </a:extLst>
         </p:spPr>
@@ -17047,15 +17002,6 @@
               <a:srgbClr val="FFFFFF"/>
             </a:contourClr>
           </a:sp3d>
-          <a:extLst>
-            <a:ext uri="{909E8E84-426E-40DD-AFC4-6F175D3DCCD1}">
-              <a14:hiddenFill xmlns:a14="http://schemas.microsoft.com/office/drawing/2010/main">
-                <a:solidFill>
-                  <a:srgbClr val="FFFFFF"/>
-                </a:solidFill>
-              </a14:hiddenFill>
-            </a:ext>
-          </a:extLst>
         </p:spPr>
       </p:pic>
     </p:spTree>
@@ -17721,15 +17667,6 @@
               <a:srgbClr val="FFFFFF"/>
             </a:contourClr>
           </a:sp3d>
-          <a:extLst>
-            <a:ext uri="{909E8E84-426E-40DD-AFC4-6F175D3DCCD1}">
-              <a14:hiddenFill xmlns:a14="http://schemas.microsoft.com/office/drawing/2010/main">
-                <a:solidFill>
-                  <a:srgbClr val="FFFFFF"/>
-                </a:solidFill>
-              </a14:hiddenFill>
-            </a:ext>
-          </a:extLst>
         </p:spPr>
       </p:pic>
       <p:pic>
@@ -17797,15 +17734,6 @@
               <a:srgbClr val="FFFFFF"/>
             </a:contourClr>
           </a:sp3d>
-          <a:extLst>
-            <a:ext uri="{909E8E84-426E-40DD-AFC4-6F175D3DCCD1}">
-              <a14:hiddenFill xmlns:a14="http://schemas.microsoft.com/office/drawing/2010/main">
-                <a:solidFill>
-                  <a:srgbClr val="FFFFFF"/>
-                </a:solidFill>
-              </a14:hiddenFill>
-            </a:ext>
-          </a:extLst>
         </p:spPr>
       </p:pic>
       <p:pic>
@@ -17873,15 +17801,6 @@
               <a:srgbClr val="FFFFFF"/>
             </a:contourClr>
           </a:sp3d>
-          <a:extLst>
-            <a:ext uri="{909E8E84-426E-40DD-AFC4-6F175D3DCCD1}">
-              <a14:hiddenFill xmlns:a14="http://schemas.microsoft.com/office/drawing/2010/main">
-                <a:solidFill>
-                  <a:srgbClr val="FFFFFF"/>
-                </a:solidFill>
-              </a14:hiddenFill>
-            </a:ext>
-          </a:extLst>
         </p:spPr>
       </p:pic>
       <p:pic>
@@ -17949,15 +17868,6 @@
               <a:srgbClr val="FFFFFF"/>
             </a:contourClr>
           </a:sp3d>
-          <a:extLst>
-            <a:ext uri="{909E8E84-426E-40DD-AFC4-6F175D3DCCD1}">
-              <a14:hiddenFill xmlns:a14="http://schemas.microsoft.com/office/drawing/2010/main">
-                <a:solidFill>
-                  <a:srgbClr val="FFFFFF"/>
-                </a:solidFill>
-              </a14:hiddenFill>
-            </a:ext>
-          </a:extLst>
         </p:spPr>
       </p:pic>
     </p:spTree>
@@ -17969,7 +17879,7 @@
     <mc:Choice Requires="p14">
       <p:transition spd="med"/>
     </mc:Choice>
-    <mc:Fallback xmlns="" xmlns:c="http://schemas.openxmlformats.org/drawingml/2006/chart" xmlns:dgm="http://schemas.openxmlformats.org/drawingml/2006/diagram" xmlns:dsp="http://schemas.microsoft.com/office/drawing/2008/diagram">
+    <mc:Fallback xmlns:dsp="http://schemas.microsoft.com/office/drawing/2008/diagram" xmlns:dgm="http://schemas.openxmlformats.org/drawingml/2006/diagram" xmlns:c="http://schemas.openxmlformats.org/drawingml/2006/chart" xmlns="">
       <p:transition/>
     </mc:Fallback>
   </mc:AlternateContent>
@@ -18588,15 +18498,6 @@
               <a:srgbClr val="FFFFFF"/>
             </a:contourClr>
           </a:sp3d>
-          <a:extLst>
-            <a:ext uri="{909E8E84-426E-40DD-AFC4-6F175D3DCCD1}">
-              <a14:hiddenFill xmlns:a14="http://schemas.microsoft.com/office/drawing/2010/main">
-                <a:solidFill>
-                  <a:srgbClr val="FFFFFF"/>
-                </a:solidFill>
-              </a14:hiddenFill>
-            </a:ext>
-          </a:extLst>
         </p:spPr>
       </p:pic>
     </p:spTree>
@@ -18613,7 +18514,7 @@
     <mc:Choice Requires="p14">
       <p:transition spd="med"/>
     </mc:Choice>
-    <mc:Fallback xmlns="" xmlns:c="http://schemas.openxmlformats.org/drawingml/2006/chart" xmlns:dgm="http://schemas.openxmlformats.org/drawingml/2006/diagram" xmlns:dsp="http://schemas.microsoft.com/office/drawing/2008/diagram">
+    <mc:Fallback xmlns:dsp="http://schemas.microsoft.com/office/drawing/2008/diagram" xmlns:dgm="http://schemas.openxmlformats.org/drawingml/2006/diagram" xmlns:c="http://schemas.openxmlformats.org/drawingml/2006/chart" xmlns="">
       <p:transition/>
     </mc:Fallback>
   </mc:AlternateContent>
@@ -19416,15 +19317,6 @@
               <a:srgbClr val="FFFFFF"/>
             </a:contourClr>
           </a:sp3d>
-          <a:extLst>
-            <a:ext uri="{909E8E84-426E-40DD-AFC4-6F175D3DCCD1}">
-              <a14:hiddenFill xmlns:a14="http://schemas.microsoft.com/office/drawing/2010/main">
-                <a:solidFill>
-                  <a:srgbClr val="FFFFFF"/>
-                </a:solidFill>
-              </a14:hiddenFill>
-            </a:ext>
-          </a:extLst>
         </p:spPr>
       </p:pic>
     </p:spTree>
@@ -19436,7 +19328,7 @@
     <mc:Choice Requires="p14">
       <p:transition spd="med"/>
     </mc:Choice>
-    <mc:Fallback xmlns="" xmlns:c="http://schemas.openxmlformats.org/drawingml/2006/chart" xmlns:dgm="http://schemas.openxmlformats.org/drawingml/2006/diagram" xmlns:dsp="http://schemas.microsoft.com/office/drawing/2008/diagram">
+    <mc:Fallback xmlns:dsp="http://schemas.microsoft.com/office/drawing/2008/diagram" xmlns:dgm="http://schemas.openxmlformats.org/drawingml/2006/diagram" xmlns:c="http://schemas.openxmlformats.org/drawingml/2006/chart" xmlns="">
       <p:transition/>
     </mc:Fallback>
   </mc:AlternateContent>
@@ -19582,7 +19474,7 @@
           </a:prstGeom>
           <a:extLst>
             <a:ext uri="{C572A759-6A51-4108-AA02-DFA0A04FC94B}">
-              <ma14:wrappingTextBoxFlag xmlns:ma14="http://schemas.microsoft.com/office/mac/drawingml/2011/main" xmlns:a14="http://schemas.microsoft.com/office/drawing/2010/main" xmlns:m="http://schemas.openxmlformats.org/officeDocument/2006/math" xmlns="" val="1"/>
+              <ma14:wrappingTextBoxFlag xmlns="" xmlns:m="http://schemas.openxmlformats.org/officeDocument/2006/math" xmlns:a14="http://schemas.microsoft.com/office/drawing/2010/main" xmlns:ma14="http://schemas.microsoft.com/office/mac/drawingml/2011/main" val="1"/>
             </a:ext>
           </a:extLst>
         </p:spPr>
@@ -19621,7 +19513,7 @@
           </a:ln>
           <a:extLst>
             <a:ext uri="{C572A759-6A51-4108-AA02-DFA0A04FC94B}">
-              <ma14:wrappingTextBoxFlag xmlns:ma14="http://schemas.microsoft.com/office/mac/drawingml/2011/main" xmlns:a14="http://schemas.microsoft.com/office/drawing/2010/main" xmlns:m="http://schemas.openxmlformats.org/officeDocument/2006/math" xmlns="" val="1"/>
+              <ma14:wrappingTextBoxFlag xmlns="" xmlns:m="http://schemas.openxmlformats.org/officeDocument/2006/math" xmlns:a14="http://schemas.microsoft.com/office/drawing/2010/main" xmlns:ma14="http://schemas.microsoft.com/office/mac/drawingml/2011/main" val="1"/>
             </a:ext>
           </a:extLst>
         </p:spPr>
@@ -19665,7 +19557,7 @@
           </a:ln>
           <a:extLst>
             <a:ext uri="{C572A759-6A51-4108-AA02-DFA0A04FC94B}">
-              <ma14:wrappingTextBoxFlag xmlns:ma14="http://schemas.microsoft.com/office/mac/drawingml/2011/main" xmlns:a14="http://schemas.microsoft.com/office/drawing/2010/main" xmlns:m="http://schemas.openxmlformats.org/officeDocument/2006/math" xmlns="" val="1"/>
+              <ma14:wrappingTextBoxFlag xmlns="" xmlns:m="http://schemas.openxmlformats.org/officeDocument/2006/math" xmlns:a14="http://schemas.microsoft.com/office/drawing/2010/main" xmlns:ma14="http://schemas.microsoft.com/office/mac/drawingml/2011/main" val="1"/>
             </a:ext>
           </a:extLst>
         </p:spPr>
@@ -20448,7 +20340,7 @@
     <mc:Choice Requires="p14">
       <p:transition spd="med"/>
     </mc:Choice>
-    <mc:Fallback xmlns="" xmlns:c="http://schemas.openxmlformats.org/drawingml/2006/chart" xmlns:dgm="http://schemas.openxmlformats.org/drawingml/2006/diagram" xmlns:dsp="http://schemas.microsoft.com/office/drawing/2008/diagram">
+    <mc:Fallback xmlns:dsp="http://schemas.microsoft.com/office/drawing/2008/diagram" xmlns:dgm="http://schemas.openxmlformats.org/drawingml/2006/diagram" xmlns:c="http://schemas.openxmlformats.org/drawingml/2006/chart" xmlns="">
       <p:transition/>
     </mc:Fallback>
   </mc:AlternateContent>
@@ -20491,7 +20383,7 @@
           </a:ln>
           <a:extLst>
             <a:ext uri="{C572A759-6A51-4108-AA02-DFA0A04FC94B}">
-              <ma14:wrappingTextBoxFlag xmlns:ma14="http://schemas.microsoft.com/office/mac/drawingml/2011/main" xmlns:a14="http://schemas.microsoft.com/office/drawing/2010/main" xmlns:m="http://schemas.openxmlformats.org/officeDocument/2006/math" xmlns="" val="1"/>
+              <ma14:wrappingTextBoxFlag xmlns="" xmlns:m="http://schemas.openxmlformats.org/officeDocument/2006/math" xmlns:a14="http://schemas.microsoft.com/office/drawing/2010/main" xmlns:ma14="http://schemas.microsoft.com/office/mac/drawingml/2011/main" val="1"/>
             </a:ext>
           </a:extLst>
         </p:spPr>
@@ -20542,7 +20434,7 @@
           </a:prstGeom>
           <a:extLst>
             <a:ext uri="{C572A759-6A51-4108-AA02-DFA0A04FC94B}">
-              <ma14:wrappingTextBoxFlag xmlns:ma14="http://schemas.microsoft.com/office/mac/drawingml/2011/main" xmlns:a14="http://schemas.microsoft.com/office/drawing/2010/main" xmlns:m="http://schemas.openxmlformats.org/officeDocument/2006/math" xmlns="" val="1"/>
+              <ma14:wrappingTextBoxFlag xmlns="" xmlns:m="http://schemas.openxmlformats.org/officeDocument/2006/math" xmlns:a14="http://schemas.microsoft.com/office/drawing/2010/main" xmlns:ma14="http://schemas.microsoft.com/office/mac/drawingml/2011/main" val="1"/>
             </a:ext>
           </a:extLst>
         </p:spPr>
@@ -20581,7 +20473,7 @@
           </a:ln>
           <a:extLst>
             <a:ext uri="{C572A759-6A51-4108-AA02-DFA0A04FC94B}">
-              <ma14:wrappingTextBoxFlag xmlns:ma14="http://schemas.microsoft.com/office/mac/drawingml/2011/main" xmlns:a14="http://schemas.microsoft.com/office/drawing/2010/main" xmlns:m="http://schemas.openxmlformats.org/officeDocument/2006/math" xmlns="" val="1"/>
+              <ma14:wrappingTextBoxFlag xmlns="" xmlns:m="http://schemas.openxmlformats.org/officeDocument/2006/math" xmlns:a14="http://schemas.microsoft.com/office/drawing/2010/main" xmlns:ma14="http://schemas.microsoft.com/office/mac/drawingml/2011/main" val="1"/>
             </a:ext>
           </a:extLst>
         </p:spPr>
@@ -20655,7 +20547,7 @@
         <p:spPr>
           <a:xfrm>
             <a:off x="2077843" y="1186378"/>
-            <a:ext cx="8036311" cy="5013253"/>
+            <a:ext cx="8036311" cy="5507365"/>
           </a:xfrm>
           <a:prstGeom prst="rect">
             <a:avLst/>
@@ -20890,6 +20782,120 @@
               </a:rPr>
               <a:t> 최소 두세 가지 이상의 글을 읽어보고 개선 본을 사용하거나 수정하여 에러가 나지 않게 되었다</a:t>
             </a:r>
+            <a:endParaRPr lang="en-US" altLang="ko-KR" sz="1200" dirty="0">
+              <a:solidFill>
+                <a:schemeClr val="tx1"/>
+              </a:solidFill>
+              <a:latin typeface="+mn-ea"/>
+              <a:ea typeface="+mn-ea"/>
+            </a:endParaRPr>
+          </a:p>
+          <a:p>
+            <a:pPr algn="l">
+              <a:defRPr/>
+            </a:pPr>
+            <a:endParaRPr lang="en-US" altLang="ko-KR" sz="1200" dirty="0">
+              <a:solidFill>
+                <a:schemeClr val="tx1"/>
+              </a:solidFill>
+              <a:latin typeface="+mn-ea"/>
+              <a:ea typeface="+mn-ea"/>
+            </a:endParaRPr>
+          </a:p>
+          <a:p>
+            <a:pPr algn="l">
+              <a:defRPr/>
+            </a:pPr>
+            <a:r>
+              <a:rPr lang="en-US" altLang="ko-KR" sz="1200">
+                <a:solidFill>
+                  <a:schemeClr val="tx1"/>
+                </a:solidFill>
+                <a:latin typeface="+mn-ea"/>
+                <a:ea typeface="+mn-ea"/>
+              </a:rPr>
+              <a:t> mustache</a:t>
+            </a:r>
+            <a:r>
+              <a:rPr lang="ko-KR" altLang="en-US" sz="1200" dirty="0">
+                <a:solidFill>
+                  <a:schemeClr val="tx1"/>
+                </a:solidFill>
+                <a:latin typeface="+mn-ea"/>
+                <a:ea typeface="+mn-ea"/>
+              </a:rPr>
+              <a:t>라는 템플릿 엔진을 사용하며 </a:t>
+            </a:r>
+            <a:r>
+              <a:rPr lang="en-US" altLang="ko-KR" sz="1200" dirty="0">
+                <a:solidFill>
+                  <a:schemeClr val="tx1"/>
+                </a:solidFill>
+                <a:latin typeface="+mn-ea"/>
+                <a:ea typeface="+mn-ea"/>
+              </a:rPr>
+              <a:t>if </a:t>
+            </a:r>
+            <a:r>
+              <a:rPr lang="ko-KR" altLang="en-US" sz="1200" dirty="0">
+                <a:solidFill>
+                  <a:schemeClr val="tx1"/>
+                </a:solidFill>
+                <a:latin typeface="+mn-ea"/>
+                <a:ea typeface="+mn-ea"/>
+              </a:rPr>
+              <a:t>문을 지원하지 않는다는 것에 당황했는데 이는 </a:t>
+            </a:r>
+            <a:r>
+              <a:rPr lang="en-US" altLang="ko-KR" sz="1200" dirty="0">
+                <a:solidFill>
+                  <a:schemeClr val="tx1"/>
+                </a:solidFill>
+                <a:latin typeface="+mn-ea"/>
+                <a:ea typeface="+mn-ea"/>
+              </a:rPr>
+              <a:t>Model</a:t>
+            </a:r>
+            <a:r>
+              <a:rPr lang="ko-KR" altLang="en-US" sz="1200" dirty="0">
+                <a:solidFill>
+                  <a:schemeClr val="tx1"/>
+                </a:solidFill>
+                <a:latin typeface="+mn-ea"/>
+                <a:ea typeface="+mn-ea"/>
+              </a:rPr>
+              <a:t>에 </a:t>
+            </a:r>
+            <a:r>
+              <a:rPr lang="en-US" altLang="ko-KR" sz="1200" dirty="0">
+                <a:solidFill>
+                  <a:schemeClr val="tx1"/>
+                </a:solidFill>
+                <a:latin typeface="+mn-ea"/>
+                <a:ea typeface="+mn-ea"/>
+              </a:rPr>
+              <a:t>attributes</a:t>
+            </a:r>
+            <a:r>
+              <a:rPr lang="ko-KR" altLang="en-US" sz="1200" dirty="0">
+                <a:solidFill>
+                  <a:schemeClr val="tx1"/>
+                </a:solidFill>
+                <a:latin typeface="+mn-ea"/>
+                <a:ea typeface="+mn-ea"/>
+              </a:rPr>
+              <a:t>를 추가해주는 것으로 해결하는 방식을 사용해 유연한 해결법이 있다는 것에 놀랐다</a:t>
+            </a:r>
+            <a:r>
+              <a:rPr lang="en-US" altLang="ko-KR" sz="1200" dirty="0">
+                <a:solidFill>
+                  <a:schemeClr val="tx1"/>
+                </a:solidFill>
+                <a:latin typeface="+mn-ea"/>
+                <a:ea typeface="+mn-ea"/>
+              </a:rPr>
+              <a:t>.</a:t>
+            </a:r>
           </a:p>
           <a:p>
             <a:pPr algn="l">
@@ -21525,16 +21531,6 @@
               <a:defRPr/>
             </a:pPr>
             <a:r>
-              <a:rPr lang="ko-KR" altLang="en-US" sz="1200">
-                <a:solidFill>
-                  <a:schemeClr val="tx1"/>
-                </a:solidFill>
-                <a:latin typeface="+mn-ea"/>
-                <a:ea typeface="+mn-ea"/>
-              </a:rPr>
-              <a:t>빈 공간이지만 띄어 쓰기를 사용하면 </a:t>
-            </a:r>
-            <a:r>
               <a:rPr lang="ko-KR" altLang="en-US" sz="1200" dirty="0">
                 <a:solidFill>
                   <a:schemeClr val="tx1"/>
@@ -21542,7 +21538,7 @@
                 <a:latin typeface="+mn-ea"/>
                 <a:ea typeface="+mn-ea"/>
               </a:rPr>
-              <a:t>에러가 나는 경우도 있었고 보안 규칙에 접근경로를 허용해두지 않아 차단당하는 일도 있었고 가장 기억에 남는 것은 </a:t>
+              <a:t>빈 공간이지만 띄어 쓰기를 사용하면 에러가 나는 경우도 있었고 보안 규칙에 접근경로를 허용해두지 않아 차단당하는 일도 있었고 가장 기억에 남는 것은 </a:t>
             </a:r>
             <a:r>
               <a:rPr lang="ko-KR" altLang="en-US" sz="1200" dirty="0" err="1">
@@ -21937,7 +21933,7 @@
           </a:prstGeom>
           <a:extLst>
             <a:ext uri="{C572A759-6A51-4108-AA02-DFA0A04FC94B}">
-              <ma14:wrappingTextBoxFlag xmlns:ma14="http://schemas.microsoft.com/office/mac/drawingml/2011/main" xmlns:a14="http://schemas.microsoft.com/office/drawing/2010/main" xmlns:m="http://schemas.openxmlformats.org/officeDocument/2006/math" xmlns="" val="1"/>
+              <ma14:wrappingTextBoxFlag xmlns="" xmlns:m="http://schemas.openxmlformats.org/officeDocument/2006/math" xmlns:a14="http://schemas.microsoft.com/office/drawing/2010/main" xmlns:ma14="http://schemas.microsoft.com/office/mac/drawingml/2011/main" val="1"/>
             </a:ext>
           </a:extLst>
         </p:spPr>
@@ -22040,7 +22036,7 @@
           </a:ln>
           <a:extLst>
             <a:ext uri="{C572A759-6A51-4108-AA02-DFA0A04FC94B}">
-              <ma14:wrappingTextBoxFlag xmlns:ma14="http://schemas.microsoft.com/office/mac/drawingml/2011/main" xmlns:a14="http://schemas.microsoft.com/office/drawing/2010/main" xmlns:m="http://schemas.openxmlformats.org/officeDocument/2006/math" xmlns="" val="1"/>
+              <ma14:wrappingTextBoxFlag xmlns="" xmlns:m="http://schemas.openxmlformats.org/officeDocument/2006/math" xmlns:a14="http://schemas.microsoft.com/office/drawing/2010/main" xmlns:ma14="http://schemas.microsoft.com/office/mac/drawingml/2011/main" val="1"/>
             </a:ext>
           </a:extLst>
         </p:spPr>
@@ -22160,7 +22156,7 @@
           </a:ln>
           <a:extLst>
             <a:ext uri="{C572A759-6A51-4108-AA02-DFA0A04FC94B}">
-              <ma14:wrappingTextBoxFlag xmlns:ma14="http://schemas.microsoft.com/office/mac/drawingml/2011/main" xmlns:a14="http://schemas.microsoft.com/office/drawing/2010/main" xmlns:m="http://schemas.openxmlformats.org/officeDocument/2006/math" xmlns="" val="1"/>
+              <ma14:wrappingTextBoxFlag xmlns="" xmlns:m="http://schemas.openxmlformats.org/officeDocument/2006/math" xmlns:a14="http://schemas.microsoft.com/office/drawing/2010/main" xmlns:ma14="http://schemas.microsoft.com/office/mac/drawingml/2011/main" val="1"/>
             </a:ext>
           </a:extLst>
         </p:spPr>
@@ -22217,7 +22213,7 @@
           </a:effectLst>
           <a:extLst>
             <a:ext uri="{C572A759-6A51-4108-AA02-DFA0A04FC94B}">
-              <ma14:wrappingTextBoxFlag xmlns:ma14="http://schemas.microsoft.com/office/mac/drawingml/2011/main" xmlns:a14="http://schemas.microsoft.com/office/drawing/2010/main" xmlns:m="http://schemas.openxmlformats.org/officeDocument/2006/math" xmlns="" val="1"/>
+              <ma14:wrappingTextBoxFlag xmlns="" xmlns:m="http://schemas.openxmlformats.org/officeDocument/2006/math" xmlns:a14="http://schemas.microsoft.com/office/drawing/2010/main" xmlns:ma14="http://schemas.microsoft.com/office/mac/drawingml/2011/main" val="1"/>
             </a:ext>
           </a:extLst>
         </p:spPr>
@@ -22337,7 +22333,7 @@
           </a:effectLst>
           <a:extLst>
             <a:ext uri="{C572A759-6A51-4108-AA02-DFA0A04FC94B}">
-              <ma14:wrappingTextBoxFlag xmlns:ma14="http://schemas.microsoft.com/office/mac/drawingml/2011/main" xmlns:a14="http://schemas.microsoft.com/office/drawing/2010/main" xmlns:m="http://schemas.openxmlformats.org/officeDocument/2006/math" xmlns="" val="1"/>
+              <ma14:wrappingTextBoxFlag xmlns="" xmlns:m="http://schemas.openxmlformats.org/officeDocument/2006/math" xmlns:a14="http://schemas.microsoft.com/office/drawing/2010/main" xmlns:ma14="http://schemas.microsoft.com/office/mac/drawingml/2011/main" val="1"/>
             </a:ext>
           </a:extLst>
         </p:spPr>
@@ -22618,7 +22614,7 @@
           </a:ln>
           <a:extLst>
             <a:ext uri="{C572A759-6A51-4108-AA02-DFA0A04FC94B}">
-              <ma14:wrappingTextBoxFlag xmlns:ma14="http://schemas.microsoft.com/office/mac/drawingml/2011/main" xmlns:a14="http://schemas.microsoft.com/office/drawing/2010/main" xmlns:m="http://schemas.openxmlformats.org/officeDocument/2006/math" xmlns="" val="1"/>
+              <ma14:wrappingTextBoxFlag xmlns="" xmlns:m="http://schemas.openxmlformats.org/officeDocument/2006/math" xmlns:a14="http://schemas.microsoft.com/office/drawing/2010/main" xmlns:ma14="http://schemas.microsoft.com/office/mac/drawingml/2011/main" val="1"/>
             </a:ext>
           </a:extLst>
         </p:spPr>
@@ -22740,7 +22736,7 @@
           </a:ln>
           <a:extLst>
             <a:ext uri="{C572A759-6A51-4108-AA02-DFA0A04FC94B}">
-              <ma14:wrappingTextBoxFlag xmlns:ma14="http://schemas.microsoft.com/office/mac/drawingml/2011/main" xmlns:a14="http://schemas.microsoft.com/office/drawing/2010/main" xmlns:m="http://schemas.openxmlformats.org/officeDocument/2006/math" xmlns="" val="1"/>
+              <ma14:wrappingTextBoxFlag xmlns="" xmlns:m="http://schemas.openxmlformats.org/officeDocument/2006/math" xmlns:a14="http://schemas.microsoft.com/office/drawing/2010/main" xmlns:ma14="http://schemas.microsoft.com/office/mac/drawingml/2011/main" val="1"/>
             </a:ext>
           </a:extLst>
         </p:spPr>
@@ -22784,7 +22780,7 @@
           </a:ln>
           <a:extLst>
             <a:ext uri="{C572A759-6A51-4108-AA02-DFA0A04FC94B}">
-              <ma14:wrappingTextBoxFlag xmlns:ma14="http://schemas.microsoft.com/office/mac/drawingml/2011/main" xmlns:a14="http://schemas.microsoft.com/office/drawing/2010/main" xmlns:m="http://schemas.openxmlformats.org/officeDocument/2006/math" xmlns="" val="1"/>
+              <ma14:wrappingTextBoxFlag xmlns="" xmlns:m="http://schemas.openxmlformats.org/officeDocument/2006/math" xmlns:a14="http://schemas.microsoft.com/office/drawing/2010/main" xmlns:ma14="http://schemas.microsoft.com/office/mac/drawingml/2011/main" val="1"/>
             </a:ext>
           </a:extLst>
         </p:spPr>
@@ -22867,7 +22863,7 @@
           </a:ln>
           <a:extLst>
             <a:ext uri="{C572A759-6A51-4108-AA02-DFA0A04FC94B}">
-              <ma14:wrappingTextBoxFlag xmlns:ma14="http://schemas.microsoft.com/office/mac/drawingml/2011/main" xmlns:a14="http://schemas.microsoft.com/office/drawing/2010/main" xmlns:m="http://schemas.openxmlformats.org/officeDocument/2006/math" xmlns="" val="1"/>
+              <ma14:wrappingTextBoxFlag xmlns="" xmlns:m="http://schemas.openxmlformats.org/officeDocument/2006/math" xmlns:a14="http://schemas.microsoft.com/office/drawing/2010/main" xmlns:ma14="http://schemas.microsoft.com/office/mac/drawingml/2011/main" val="1"/>
             </a:ext>
           </a:extLst>
         </p:spPr>
@@ -22998,7 +22994,7 @@
           </a:ln>
           <a:extLst>
             <a:ext uri="{C572A759-6A51-4108-AA02-DFA0A04FC94B}">
-              <ma14:wrappingTextBoxFlag xmlns:ma14="http://schemas.microsoft.com/office/mac/drawingml/2011/main" xmlns:a14="http://schemas.microsoft.com/office/drawing/2010/main" xmlns:m="http://schemas.openxmlformats.org/officeDocument/2006/math" xmlns="" val="1"/>
+              <ma14:wrappingTextBoxFlag xmlns="" xmlns:m="http://schemas.openxmlformats.org/officeDocument/2006/math" xmlns:a14="http://schemas.microsoft.com/office/drawing/2010/main" xmlns:ma14="http://schemas.microsoft.com/office/mac/drawingml/2011/main" val="1"/>
             </a:ext>
           </a:extLst>
         </p:spPr>
@@ -23042,7 +23038,7 @@
           </a:ln>
           <a:extLst>
             <a:ext uri="{C572A759-6A51-4108-AA02-DFA0A04FC94B}">
-              <ma14:wrappingTextBoxFlag xmlns:ma14="http://schemas.microsoft.com/office/mac/drawingml/2011/main" xmlns:a14="http://schemas.microsoft.com/office/drawing/2010/main" xmlns:m="http://schemas.openxmlformats.org/officeDocument/2006/math" xmlns="" val="1"/>
+              <ma14:wrappingTextBoxFlag xmlns="" xmlns:m="http://schemas.openxmlformats.org/officeDocument/2006/math" xmlns:a14="http://schemas.microsoft.com/office/drawing/2010/main" xmlns:ma14="http://schemas.microsoft.com/office/mac/drawingml/2011/main" val="1"/>
             </a:ext>
           </a:extLst>
         </p:spPr>
@@ -23123,7 +23119,7 @@
           </a:ln>
           <a:extLst>
             <a:ext uri="{C572A759-6A51-4108-AA02-DFA0A04FC94B}">
-              <ma14:wrappingTextBoxFlag xmlns:ma14="http://schemas.microsoft.com/office/mac/drawingml/2011/main" xmlns:a14="http://schemas.microsoft.com/office/drawing/2010/main" xmlns:m="http://schemas.openxmlformats.org/officeDocument/2006/math" xmlns="" val="1"/>
+              <ma14:wrappingTextBoxFlag xmlns="" xmlns:m="http://schemas.openxmlformats.org/officeDocument/2006/math" xmlns:a14="http://schemas.microsoft.com/office/drawing/2010/main" xmlns:ma14="http://schemas.microsoft.com/office/mac/drawingml/2011/main" val="1"/>
             </a:ext>
           </a:extLst>
         </p:spPr>
@@ -23258,7 +23254,7 @@
           </a:ln>
           <a:extLst>
             <a:ext uri="{C572A759-6A51-4108-AA02-DFA0A04FC94B}">
-              <ma14:wrappingTextBoxFlag xmlns:ma14="http://schemas.microsoft.com/office/mac/drawingml/2011/main" xmlns:a14="http://schemas.microsoft.com/office/drawing/2010/main" xmlns:m="http://schemas.openxmlformats.org/officeDocument/2006/math" xmlns="" val="1"/>
+              <ma14:wrappingTextBoxFlag xmlns="" xmlns:m="http://schemas.openxmlformats.org/officeDocument/2006/math" xmlns:a14="http://schemas.microsoft.com/office/drawing/2010/main" xmlns:ma14="http://schemas.microsoft.com/office/mac/drawingml/2011/main" val="1"/>
             </a:ext>
           </a:extLst>
         </p:spPr>
@@ -23302,7 +23298,7 @@
           </a:ln>
           <a:extLst>
             <a:ext uri="{C572A759-6A51-4108-AA02-DFA0A04FC94B}">
-              <ma14:wrappingTextBoxFlag xmlns:ma14="http://schemas.microsoft.com/office/mac/drawingml/2011/main" xmlns:a14="http://schemas.microsoft.com/office/drawing/2010/main" xmlns:m="http://schemas.openxmlformats.org/officeDocument/2006/math" xmlns="" val="1"/>
+              <ma14:wrappingTextBoxFlag xmlns="" xmlns:m="http://schemas.openxmlformats.org/officeDocument/2006/math" xmlns:a14="http://schemas.microsoft.com/office/drawing/2010/main" xmlns:ma14="http://schemas.microsoft.com/office/mac/drawingml/2011/main" val="1"/>
             </a:ext>
           </a:extLst>
         </p:spPr>
@@ -23391,7 +23387,7 @@
           </a:ln>
           <a:extLst>
             <a:ext uri="{C572A759-6A51-4108-AA02-DFA0A04FC94B}">
-              <ma14:wrappingTextBoxFlag xmlns:ma14="http://schemas.microsoft.com/office/mac/drawingml/2011/main" xmlns:a14="http://schemas.microsoft.com/office/drawing/2010/main" xmlns:m="http://schemas.openxmlformats.org/officeDocument/2006/math" xmlns="" val="1"/>
+              <ma14:wrappingTextBoxFlag xmlns="" xmlns:m="http://schemas.openxmlformats.org/officeDocument/2006/math" xmlns:a14="http://schemas.microsoft.com/office/drawing/2010/main" xmlns:ma14="http://schemas.microsoft.com/office/mac/drawingml/2011/main" val="1"/>
             </a:ext>
           </a:extLst>
         </p:spPr>
@@ -23514,7 +23510,7 @@
           </a:ln>
           <a:extLst>
             <a:ext uri="{C572A759-6A51-4108-AA02-DFA0A04FC94B}">
-              <ma14:wrappingTextBoxFlag xmlns:ma14="http://schemas.microsoft.com/office/mac/drawingml/2011/main" xmlns:a14="http://schemas.microsoft.com/office/drawing/2010/main" xmlns:m="http://schemas.openxmlformats.org/officeDocument/2006/math" xmlns="" val="1"/>
+              <ma14:wrappingTextBoxFlag xmlns="" xmlns:m="http://schemas.openxmlformats.org/officeDocument/2006/math" xmlns:a14="http://schemas.microsoft.com/office/drawing/2010/main" xmlns:ma14="http://schemas.microsoft.com/office/mac/drawingml/2011/main" val="1"/>
             </a:ext>
           </a:extLst>
         </p:spPr>
@@ -23558,7 +23554,7 @@
           </a:ln>
           <a:extLst>
             <a:ext uri="{C572A759-6A51-4108-AA02-DFA0A04FC94B}">
-              <ma14:wrappingTextBoxFlag xmlns:ma14="http://schemas.microsoft.com/office/mac/drawingml/2011/main" xmlns:a14="http://schemas.microsoft.com/office/drawing/2010/main" xmlns:m="http://schemas.openxmlformats.org/officeDocument/2006/math" xmlns="" val="1"/>
+              <ma14:wrappingTextBoxFlag xmlns="" xmlns:m="http://schemas.openxmlformats.org/officeDocument/2006/math" xmlns:a14="http://schemas.microsoft.com/office/drawing/2010/main" xmlns:ma14="http://schemas.microsoft.com/office/mac/drawingml/2011/main" val="1"/>
             </a:ext>
           </a:extLst>
         </p:spPr>
@@ -23639,7 +23635,7 @@
           </a:ln>
           <a:extLst>
             <a:ext uri="{C572A759-6A51-4108-AA02-DFA0A04FC94B}">
-              <ma14:wrappingTextBoxFlag xmlns:ma14="http://schemas.microsoft.com/office/mac/drawingml/2011/main" xmlns:a14="http://schemas.microsoft.com/office/drawing/2010/main" xmlns:m="http://schemas.openxmlformats.org/officeDocument/2006/math" xmlns="" val="1"/>
+              <ma14:wrappingTextBoxFlag xmlns="" xmlns:m="http://schemas.openxmlformats.org/officeDocument/2006/math" xmlns:a14="http://schemas.microsoft.com/office/drawing/2010/main" xmlns:ma14="http://schemas.microsoft.com/office/mac/drawingml/2011/main" val="1"/>
             </a:ext>
           </a:extLst>
         </p:spPr>
@@ -23727,7 +23723,7 @@
           </a:ln>
           <a:extLst>
             <a:ext uri="{C572A759-6A51-4108-AA02-DFA0A04FC94B}">
-              <ma14:wrappingTextBoxFlag xmlns:ma14="http://schemas.microsoft.com/office/mac/drawingml/2011/main" xmlns:a14="http://schemas.microsoft.com/office/drawing/2010/main" xmlns:m="http://schemas.openxmlformats.org/officeDocument/2006/math" xmlns="" val="1"/>
+              <ma14:wrappingTextBoxFlag xmlns="" xmlns:m="http://schemas.openxmlformats.org/officeDocument/2006/math" xmlns:a14="http://schemas.microsoft.com/office/drawing/2010/main" xmlns:ma14="http://schemas.microsoft.com/office/mac/drawingml/2011/main" val="1"/>
             </a:ext>
           </a:extLst>
         </p:spPr>
@@ -23810,7 +23806,7 @@
           </a:ln>
           <a:extLst>
             <a:ext uri="{C572A759-6A51-4108-AA02-DFA0A04FC94B}">
-              <ma14:wrappingTextBoxFlag xmlns:ma14="http://schemas.microsoft.com/office/mac/drawingml/2011/main" xmlns:a14="http://schemas.microsoft.com/office/drawing/2010/main" xmlns:m="http://schemas.openxmlformats.org/officeDocument/2006/math" xmlns="" val="1"/>
+              <ma14:wrappingTextBoxFlag xmlns="" xmlns:m="http://schemas.openxmlformats.org/officeDocument/2006/math" xmlns:a14="http://schemas.microsoft.com/office/drawing/2010/main" xmlns:ma14="http://schemas.microsoft.com/office/mac/drawingml/2011/main" val="1"/>
             </a:ext>
           </a:extLst>
         </p:spPr>
@@ -23893,7 +23889,7 @@
           </a:ln>
           <a:extLst>
             <a:ext uri="{C572A759-6A51-4108-AA02-DFA0A04FC94B}">
-              <ma14:wrappingTextBoxFlag xmlns:ma14="http://schemas.microsoft.com/office/mac/drawingml/2011/main" xmlns:a14="http://schemas.microsoft.com/office/drawing/2010/main" xmlns:m="http://schemas.openxmlformats.org/officeDocument/2006/math" xmlns="" val="1"/>
+              <ma14:wrappingTextBoxFlag xmlns="" xmlns:m="http://schemas.openxmlformats.org/officeDocument/2006/math" xmlns:a14="http://schemas.microsoft.com/office/drawing/2010/main" xmlns:ma14="http://schemas.microsoft.com/office/mac/drawingml/2011/main" val="1"/>
             </a:ext>
           </a:extLst>
         </p:spPr>
@@ -23984,7 +23980,7 @@
           </a:ln>
           <a:extLst>
             <a:ext uri="{C572A759-6A51-4108-AA02-DFA0A04FC94B}">
-              <ma14:wrappingTextBoxFlag xmlns:ma14="http://schemas.microsoft.com/office/mac/drawingml/2011/main" xmlns:a14="http://schemas.microsoft.com/office/drawing/2010/main" xmlns:m="http://schemas.openxmlformats.org/officeDocument/2006/math" xmlns="" val="1"/>
+              <ma14:wrappingTextBoxFlag xmlns="" xmlns:m="http://schemas.openxmlformats.org/officeDocument/2006/math" xmlns:a14="http://schemas.microsoft.com/office/drawing/2010/main" xmlns:ma14="http://schemas.microsoft.com/office/mac/drawingml/2011/main" val="1"/>
             </a:ext>
           </a:extLst>
         </p:spPr>
@@ -24066,7 +24062,7 @@
           </a:ln>
           <a:extLst>
             <a:ext uri="{C572A759-6A51-4108-AA02-DFA0A04FC94B}">
-              <ma14:wrappingTextBoxFlag xmlns:ma14="http://schemas.microsoft.com/office/mac/drawingml/2011/main" xmlns:a14="http://schemas.microsoft.com/office/drawing/2010/main" xmlns:m="http://schemas.openxmlformats.org/officeDocument/2006/math" xmlns="" val="1"/>
+              <ma14:wrappingTextBoxFlag xmlns="" xmlns:m="http://schemas.openxmlformats.org/officeDocument/2006/math" xmlns:a14="http://schemas.microsoft.com/office/drawing/2010/main" xmlns:ma14="http://schemas.microsoft.com/office/mac/drawingml/2011/main" val="1"/>
             </a:ext>
           </a:extLst>
         </p:spPr>
@@ -24147,7 +24143,7 @@
           </a:ln>
           <a:extLst>
             <a:ext uri="{C572A759-6A51-4108-AA02-DFA0A04FC94B}">
-              <ma14:wrappingTextBoxFlag xmlns:ma14="http://schemas.microsoft.com/office/mac/drawingml/2011/main" xmlns:a14="http://schemas.microsoft.com/office/drawing/2010/main" xmlns:m="http://schemas.openxmlformats.org/officeDocument/2006/math" xmlns="" val="1"/>
+              <ma14:wrappingTextBoxFlag xmlns="" xmlns:m="http://schemas.openxmlformats.org/officeDocument/2006/math" xmlns:a14="http://schemas.microsoft.com/office/drawing/2010/main" xmlns:ma14="http://schemas.microsoft.com/office/mac/drawingml/2011/main" val="1"/>
             </a:ext>
           </a:extLst>
         </p:spPr>
@@ -24274,7 +24270,7 @@
           </a:ln>
           <a:extLst>
             <a:ext uri="{C572A759-6A51-4108-AA02-DFA0A04FC94B}">
-              <ma14:wrappingTextBoxFlag xmlns:ma14="http://schemas.microsoft.com/office/mac/drawingml/2011/main" xmlns:a14="http://schemas.microsoft.com/office/drawing/2010/main" xmlns:m="http://schemas.openxmlformats.org/officeDocument/2006/math" xmlns="" val="1"/>
+              <ma14:wrappingTextBoxFlag xmlns="" xmlns:m="http://schemas.openxmlformats.org/officeDocument/2006/math" xmlns:a14="http://schemas.microsoft.com/office/drawing/2010/main" xmlns:ma14="http://schemas.microsoft.com/office/mac/drawingml/2011/main" val="1"/>
             </a:ext>
           </a:extLst>
         </p:spPr>
@@ -24318,7 +24314,7 @@
           </a:ln>
           <a:extLst>
             <a:ext uri="{C572A759-6A51-4108-AA02-DFA0A04FC94B}">
-              <ma14:wrappingTextBoxFlag xmlns:ma14="http://schemas.microsoft.com/office/mac/drawingml/2011/main" xmlns:a14="http://schemas.microsoft.com/office/drawing/2010/main" xmlns:m="http://schemas.openxmlformats.org/officeDocument/2006/math" xmlns="" val="1"/>
+              <ma14:wrappingTextBoxFlag xmlns="" xmlns:m="http://schemas.openxmlformats.org/officeDocument/2006/math" xmlns:a14="http://schemas.microsoft.com/office/drawing/2010/main" xmlns:ma14="http://schemas.microsoft.com/office/mac/drawingml/2011/main" val="1"/>
             </a:ext>
           </a:extLst>
         </p:spPr>
@@ -24402,7 +24398,7 @@
           </a:ln>
           <a:extLst>
             <a:ext uri="{C572A759-6A51-4108-AA02-DFA0A04FC94B}">
-              <ma14:wrappingTextBoxFlag xmlns:ma14="http://schemas.microsoft.com/office/mac/drawingml/2011/main" xmlns:a14="http://schemas.microsoft.com/office/drawing/2010/main" xmlns:m="http://schemas.openxmlformats.org/officeDocument/2006/math" xmlns="" val="1"/>
+              <ma14:wrappingTextBoxFlag xmlns="" xmlns:m="http://schemas.openxmlformats.org/officeDocument/2006/math" xmlns:a14="http://schemas.microsoft.com/office/drawing/2010/main" xmlns:ma14="http://schemas.microsoft.com/office/mac/drawingml/2011/main" val="1"/>
             </a:ext>
           </a:extLst>
         </p:spPr>
@@ -24451,7 +24447,7 @@
           </a:ln>
           <a:extLst>
             <a:ext uri="{C572A759-6A51-4108-AA02-DFA0A04FC94B}">
-              <ma14:wrappingTextBoxFlag xmlns:ma14="http://schemas.microsoft.com/office/mac/drawingml/2011/main" xmlns:a14="http://schemas.microsoft.com/office/drawing/2010/main" xmlns:m="http://schemas.openxmlformats.org/officeDocument/2006/math" xmlns="" val="1"/>
+              <ma14:wrappingTextBoxFlag xmlns="" xmlns:m="http://schemas.openxmlformats.org/officeDocument/2006/math" xmlns:a14="http://schemas.microsoft.com/office/drawing/2010/main" xmlns:ma14="http://schemas.microsoft.com/office/mac/drawingml/2011/main" val="1"/>
             </a:ext>
           </a:extLst>
         </p:spPr>
@@ -24594,7 +24590,7 @@
           </a:ln>
           <a:extLst>
             <a:ext uri="{C572A759-6A51-4108-AA02-DFA0A04FC94B}">
-              <ma14:wrappingTextBoxFlag xmlns:ma14="http://schemas.microsoft.com/office/mac/drawingml/2011/main" xmlns:a14="http://schemas.microsoft.com/office/drawing/2010/main" xmlns:m="http://schemas.openxmlformats.org/officeDocument/2006/math" xmlns="" val="1"/>
+              <ma14:wrappingTextBoxFlag xmlns="" xmlns:m="http://schemas.openxmlformats.org/officeDocument/2006/math" xmlns:a14="http://schemas.microsoft.com/office/drawing/2010/main" xmlns:ma14="http://schemas.microsoft.com/office/mac/drawingml/2011/main" val="1"/>
             </a:ext>
           </a:extLst>
         </p:spPr>
@@ -24639,7 +24635,7 @@
           </a:prstGeom>
           <a:extLst>
             <a:ext uri="{C572A759-6A51-4108-AA02-DFA0A04FC94B}">
-              <ma14:wrappingTextBoxFlag xmlns:ma14="http://schemas.microsoft.com/office/mac/drawingml/2011/main" xmlns:a14="http://schemas.microsoft.com/office/drawing/2010/main" xmlns:m="http://schemas.openxmlformats.org/officeDocument/2006/math" xmlns="" val="1"/>
+              <ma14:wrappingTextBoxFlag xmlns="" xmlns:m="http://schemas.openxmlformats.org/officeDocument/2006/math" xmlns:a14="http://schemas.microsoft.com/office/drawing/2010/main" xmlns:ma14="http://schemas.microsoft.com/office/mac/drawingml/2011/main" val="1"/>
             </a:ext>
           </a:extLst>
         </p:spPr>
@@ -24733,7 +24729,7 @@
           </a:ln>
           <a:extLst>
             <a:ext uri="{C572A759-6A51-4108-AA02-DFA0A04FC94B}">
-              <ma14:wrappingTextBoxFlag xmlns:ma14="http://schemas.microsoft.com/office/mac/drawingml/2011/main" xmlns:a14="http://schemas.microsoft.com/office/drawing/2010/main" xmlns:m="http://schemas.openxmlformats.org/officeDocument/2006/math" xmlns="" val="1"/>
+              <ma14:wrappingTextBoxFlag xmlns="" xmlns:m="http://schemas.openxmlformats.org/officeDocument/2006/math" xmlns:a14="http://schemas.microsoft.com/office/drawing/2010/main" xmlns:ma14="http://schemas.microsoft.com/office/mac/drawingml/2011/main" val="1"/>
             </a:ext>
           </a:extLst>
         </p:spPr>
@@ -25181,7 +25177,7 @@
           </a:ln>
           <a:extLst>
             <a:ext uri="{C572A759-6A51-4108-AA02-DFA0A04FC94B}">
-              <ma14:wrappingTextBoxFlag xmlns:ma14="http://schemas.microsoft.com/office/mac/drawingml/2011/main" xmlns:a14="http://schemas.microsoft.com/office/drawing/2010/main" xmlns:m="http://schemas.openxmlformats.org/officeDocument/2006/math" xmlns="" val="1"/>
+              <ma14:wrappingTextBoxFlag xmlns="" xmlns:m="http://schemas.openxmlformats.org/officeDocument/2006/math" xmlns:a14="http://schemas.microsoft.com/office/drawing/2010/main" xmlns:ma14="http://schemas.microsoft.com/office/mac/drawingml/2011/main" val="1"/>
             </a:ext>
           </a:extLst>
         </p:spPr>
@@ -25226,7 +25222,7 @@
           </a:prstGeom>
           <a:extLst>
             <a:ext uri="{C572A759-6A51-4108-AA02-DFA0A04FC94B}">
-              <ma14:wrappingTextBoxFlag xmlns:ma14="http://schemas.microsoft.com/office/mac/drawingml/2011/main" xmlns:a14="http://schemas.microsoft.com/office/drawing/2010/main" xmlns:m="http://schemas.openxmlformats.org/officeDocument/2006/math" xmlns="" val="1"/>
+              <ma14:wrappingTextBoxFlag xmlns="" xmlns:m="http://schemas.openxmlformats.org/officeDocument/2006/math" xmlns:a14="http://schemas.microsoft.com/office/drawing/2010/main" xmlns:ma14="http://schemas.microsoft.com/office/mac/drawingml/2011/main" val="1"/>
             </a:ext>
           </a:extLst>
         </p:spPr>
@@ -25265,7 +25261,7 @@
           </a:ln>
           <a:extLst>
             <a:ext uri="{C572A759-6A51-4108-AA02-DFA0A04FC94B}">
-              <ma14:wrappingTextBoxFlag xmlns:ma14="http://schemas.microsoft.com/office/mac/drawingml/2011/main" xmlns:a14="http://schemas.microsoft.com/office/drawing/2010/main" xmlns:m="http://schemas.openxmlformats.org/officeDocument/2006/math" xmlns="" val="1"/>
+              <ma14:wrappingTextBoxFlag xmlns="" xmlns:m="http://schemas.openxmlformats.org/officeDocument/2006/math" xmlns:a14="http://schemas.microsoft.com/office/drawing/2010/main" xmlns:ma14="http://schemas.microsoft.com/office/mac/drawingml/2011/main" val="1"/>
             </a:ext>
           </a:extLst>
         </p:spPr>
@@ -44373,7 +44369,7 @@
           </a:ln>
           <a:extLst>
             <a:ext uri="{C572A759-6A51-4108-AA02-DFA0A04FC94B}">
-              <ma14:wrappingTextBoxFlag xmlns:ma14="http://schemas.microsoft.com/office/mac/drawingml/2011/main" xmlns:a14="http://schemas.microsoft.com/office/drawing/2010/main" xmlns:m="http://schemas.openxmlformats.org/officeDocument/2006/math" xmlns="" val="1"/>
+              <ma14:wrappingTextBoxFlag xmlns="" xmlns:m="http://schemas.openxmlformats.org/officeDocument/2006/math" xmlns:a14="http://schemas.microsoft.com/office/drawing/2010/main" xmlns:ma14="http://schemas.microsoft.com/office/mac/drawingml/2011/main" val="1"/>
             </a:ext>
           </a:extLst>
         </p:spPr>
@@ -44480,7 +44476,7 @@
           </a:ln>
           <a:extLst>
             <a:ext uri="{C572A759-6A51-4108-AA02-DFA0A04FC94B}">
-              <ma14:wrappingTextBoxFlag xmlns:ma14="http://schemas.microsoft.com/office/mac/drawingml/2011/main" xmlns:a14="http://schemas.microsoft.com/office/drawing/2010/main" xmlns:m="http://schemas.openxmlformats.org/officeDocument/2006/math" xmlns="" val="1"/>
+              <ma14:wrappingTextBoxFlag xmlns="" xmlns:m="http://schemas.openxmlformats.org/officeDocument/2006/math" xmlns:a14="http://schemas.microsoft.com/office/drawing/2010/main" xmlns:ma14="http://schemas.microsoft.com/office/mac/drawingml/2011/main" val="1"/>
             </a:ext>
           </a:extLst>
         </p:spPr>
@@ -47890,7 +47886,7 @@
           </a:prstGeom>
           <a:extLst>
             <a:ext uri="{C572A759-6A51-4108-AA02-DFA0A04FC94B}">
-              <ma14:wrappingTextBoxFlag xmlns:ma14="http://schemas.microsoft.com/office/mac/drawingml/2011/main" xmlns:a14="http://schemas.microsoft.com/office/drawing/2010/main" xmlns:m="http://schemas.openxmlformats.org/officeDocument/2006/math" xmlns="" val="1"/>
+              <ma14:wrappingTextBoxFlag xmlns="" xmlns:m="http://schemas.openxmlformats.org/officeDocument/2006/math" xmlns:a14="http://schemas.microsoft.com/office/drawing/2010/main" xmlns:ma14="http://schemas.microsoft.com/office/mac/drawingml/2011/main" val="1"/>
             </a:ext>
           </a:extLst>
         </p:spPr>
@@ -47990,7 +47986,7 @@
           </a:prstGeom>
           <a:extLst>
             <a:ext uri="{C572A759-6A51-4108-AA02-DFA0A04FC94B}">
-              <ma14:wrappingTextBoxFlag xmlns:ma14="http://schemas.microsoft.com/office/mac/drawingml/2011/main" xmlns:a14="http://schemas.microsoft.com/office/drawing/2010/main" xmlns:m="http://schemas.openxmlformats.org/officeDocument/2006/math" xmlns="" val="1"/>
+              <ma14:wrappingTextBoxFlag xmlns="" xmlns:m="http://schemas.openxmlformats.org/officeDocument/2006/math" xmlns:a14="http://schemas.microsoft.com/office/drawing/2010/main" xmlns:ma14="http://schemas.microsoft.com/office/mac/drawingml/2011/main" val="1"/>
             </a:ext>
           </a:extLst>
         </p:spPr>
@@ -49507,7 +49503,7 @@
           </a:ln>
           <a:extLst>
             <a:ext uri="{C572A759-6A51-4108-AA02-DFA0A04FC94B}">
-              <ma14:wrappingTextBoxFlag xmlns:ma14="http://schemas.microsoft.com/office/mac/drawingml/2011/main" xmlns:a14="http://schemas.microsoft.com/office/drawing/2010/main" xmlns:m="http://schemas.openxmlformats.org/officeDocument/2006/math" xmlns="" val="1"/>
+              <ma14:wrappingTextBoxFlag xmlns="" xmlns:m="http://schemas.openxmlformats.org/officeDocument/2006/math" xmlns:a14="http://schemas.microsoft.com/office/drawing/2010/main" xmlns:ma14="http://schemas.microsoft.com/office/mac/drawingml/2011/main" val="1"/>
             </a:ext>
           </a:extLst>
         </p:spPr>
@@ -49612,7 +49608,7 @@
           </a:prstGeom>
           <a:extLst>
             <a:ext uri="{C572A759-6A51-4108-AA02-DFA0A04FC94B}">
-              <ma14:wrappingTextBoxFlag xmlns:ma14="http://schemas.microsoft.com/office/mac/drawingml/2011/main" xmlns:a14="http://schemas.microsoft.com/office/drawing/2010/main" xmlns:m="http://schemas.openxmlformats.org/officeDocument/2006/math" xmlns="" val="1"/>
+              <ma14:wrappingTextBoxFlag xmlns="" xmlns:m="http://schemas.openxmlformats.org/officeDocument/2006/math" xmlns:a14="http://schemas.microsoft.com/office/drawing/2010/main" xmlns:ma14="http://schemas.microsoft.com/office/mac/drawingml/2011/main" val="1"/>
             </a:ext>
           </a:extLst>
         </p:spPr>
@@ -49651,7 +49647,7 @@
           </a:ln>
           <a:extLst>
             <a:ext uri="{C572A759-6A51-4108-AA02-DFA0A04FC94B}">
-              <ma14:wrappingTextBoxFlag xmlns:ma14="http://schemas.microsoft.com/office/mac/drawingml/2011/main" xmlns:a14="http://schemas.microsoft.com/office/drawing/2010/main" xmlns:m="http://schemas.openxmlformats.org/officeDocument/2006/math" xmlns="" val="1"/>
+              <ma14:wrappingTextBoxFlag xmlns="" xmlns:m="http://schemas.openxmlformats.org/officeDocument/2006/math" xmlns:a14="http://schemas.microsoft.com/office/drawing/2010/main" xmlns:ma14="http://schemas.microsoft.com/office/mac/drawingml/2011/main" val="1"/>
             </a:ext>
           </a:extLst>
         </p:spPr>
@@ -49707,7 +49703,7 @@
           </a:ln>
           <a:extLst>
             <a:ext uri="{C572A759-6A51-4108-AA02-DFA0A04FC94B}">
-              <ma14:wrappingTextBoxFlag xmlns:ma14="http://schemas.microsoft.com/office/mac/drawingml/2011/main" xmlns:a14="http://schemas.microsoft.com/office/drawing/2010/main" xmlns:m="http://schemas.openxmlformats.org/officeDocument/2006/math" xmlns="" val="1"/>
+              <ma14:wrappingTextBoxFlag xmlns="" xmlns:m="http://schemas.openxmlformats.org/officeDocument/2006/math" xmlns:a14="http://schemas.microsoft.com/office/drawing/2010/main" xmlns:ma14="http://schemas.microsoft.com/office/mac/drawingml/2011/main" val="1"/>
             </a:ext>
           </a:extLst>
         </p:spPr>
